--- a/Presentation-projet-SQLite.pptx
+++ b/Presentation-projet-SQLite.pptx
@@ -290,7 +290,7 @@
           <a:p>
             <a:fld id="{5AB0D58B-1CA4-4E9D-A493-960D8694032C}" type="datetimeFigureOut">
               <a:rPr lang="fr-FR" smtClean="0"/>
-              <a:t>28/02/2021</a:t>
+              <a:t>09/03/2021</a:t>
             </a:fld>
             <a:endParaRPr lang="fr-FR"/>
           </a:p>
@@ -456,7 +456,7 @@
           <a:p>
             <a:fld id="{F80B55E0-88E5-4B0C-B49A-E9075B3352A2}" type="datetimeFigureOut">
               <a:rPr lang="fr-FR" smtClean="0"/>
-              <a:t>28/02/2021</a:t>
+              <a:t>09/03/2021</a:t>
             </a:fld>
             <a:endParaRPr lang="fr-FR"/>
           </a:p>
@@ -854,7 +854,7 @@
           <a:p>
             <a:fld id="{E88E51D1-19E0-4A91-93E4-F6582C82DFE9}" type="datetime1">
               <a:rPr lang="fr-FR" smtClean="0"/>
-              <a:t>28/02/2021</a:t>
+              <a:t>09/03/2021</a:t>
             </a:fld>
             <a:endParaRPr lang="fr-FR"/>
           </a:p>
@@ -1023,7 +1023,7 @@
           <a:p>
             <a:fld id="{6FE1E652-55A6-4E86-A9CD-07BB054ED371}" type="datetime1">
               <a:rPr lang="fr-FR" smtClean="0"/>
-              <a:t>28/02/2021</a:t>
+              <a:t>09/03/2021</a:t>
             </a:fld>
             <a:endParaRPr lang="fr-FR"/>
           </a:p>
@@ -1203,7 +1203,7 @@
           <a:p>
             <a:fld id="{6FE1E652-55A6-4E86-A9CD-07BB054ED371}" type="datetime1">
               <a:rPr lang="fr-FR" smtClean="0"/>
-              <a:t>28/02/2021</a:t>
+              <a:t>09/03/2021</a:t>
             </a:fld>
             <a:endParaRPr lang="fr-FR"/>
           </a:p>
@@ -1373,7 +1373,7 @@
           <a:p>
             <a:fld id="{6FE1E652-55A6-4E86-A9CD-07BB054ED371}" type="datetime1">
               <a:rPr lang="fr-FR" smtClean="0"/>
-              <a:t>28/02/2021</a:t>
+              <a:t>09/03/2021</a:t>
             </a:fld>
             <a:endParaRPr lang="fr-FR"/>
           </a:p>
@@ -1620,7 +1620,7 @@
           <a:p>
             <a:fld id="{00C31191-9C07-4668-B2BC-5089C650D2B7}" type="datetime1">
               <a:rPr lang="fr-FR" smtClean="0"/>
-              <a:t>28/02/2021</a:t>
+              <a:t>09/03/2021</a:t>
             </a:fld>
             <a:endParaRPr lang="fr-FR"/>
           </a:p>
@@ -1849,7 +1849,7 @@
           <a:p>
             <a:fld id="{6FE1E652-55A6-4E86-A9CD-07BB054ED371}" type="datetime1">
               <a:rPr lang="fr-FR" smtClean="0"/>
-              <a:t>28/02/2021</a:t>
+              <a:t>09/03/2021</a:t>
             </a:fld>
             <a:endParaRPr lang="fr-FR"/>
           </a:p>
@@ -2215,7 +2215,7 @@
           <a:p>
             <a:fld id="{6FE1E652-55A6-4E86-A9CD-07BB054ED371}" type="datetime1">
               <a:rPr lang="fr-FR" smtClean="0"/>
-              <a:t>28/02/2021</a:t>
+              <a:t>09/03/2021</a:t>
             </a:fld>
             <a:endParaRPr lang="fr-FR"/>
           </a:p>
@@ -2334,7 +2334,7 @@
           <a:p>
             <a:fld id="{C37F1761-D244-4832-A897-AA9BFF027495}" type="datetime1">
               <a:rPr lang="fr-FR" smtClean="0"/>
-              <a:t>28/02/2021</a:t>
+              <a:t>09/03/2021</a:t>
             </a:fld>
             <a:endParaRPr lang="fr-FR"/>
           </a:p>
@@ -2429,7 +2429,7 @@
           <a:p>
             <a:fld id="{DB79BAB4-633D-4B71-A80A-06DCCB7E61AD}" type="datetime1">
               <a:rPr lang="fr-FR" smtClean="0"/>
-              <a:t>28/02/2021</a:t>
+              <a:t>09/03/2021</a:t>
             </a:fld>
             <a:endParaRPr lang="fr-FR"/>
           </a:p>
@@ -2704,7 +2704,7 @@
           <a:p>
             <a:fld id="{6FE1E652-55A6-4E86-A9CD-07BB054ED371}" type="datetime1">
               <a:rPr lang="fr-FR" smtClean="0"/>
-              <a:t>28/02/2021</a:t>
+              <a:t>09/03/2021</a:t>
             </a:fld>
             <a:endParaRPr lang="fr-FR"/>
           </a:p>
@@ -2958,7 +2958,7 @@
           <a:p>
             <a:fld id="{C1203806-AA52-4B57-B194-5A147094410C}" type="datetime1">
               <a:rPr lang="fr-FR" smtClean="0"/>
-              <a:t>28/02/2021</a:t>
+              <a:t>09/03/2021</a:t>
             </a:fld>
             <a:endParaRPr lang="fr-FR"/>
           </a:p>
@@ -3169,7 +3169,7 @@
           <a:p>
             <a:fld id="{6FE1E652-55A6-4E86-A9CD-07BB054ED371}" type="datetime1">
               <a:rPr lang="fr-FR" smtClean="0"/>
-              <a:t>28/02/2021</a:t>
+              <a:t>09/03/2021</a:t>
             </a:fld>
             <a:endParaRPr lang="fr-FR"/>
           </a:p>
@@ -3808,7 +3808,7 @@
               <a:t>Ibn </a:t>
             </a:r>
             <a:r>
-              <a:rPr kumimoji="0" lang="fr-FR" sz="2000" b="0" i="0" u="none" strike="noStrike" kern="1200" cap="none" spc="0" normalizeH="0" baseline="0" noProof="0" dirty="0" err="1">
+              <a:rPr kumimoji="0" lang="fr-FR" sz="2000" b="0" i="0" u="none" strike="noStrike" kern="1200" cap="none" spc="0" normalizeH="0" baseline="0" noProof="0" dirty="0" err="1" smtClean="0">
                 <a:ln>
                   <a:noFill/>
                 </a:ln>
@@ -3825,7 +3825,7 @@
               <a:t>Khaldoun</a:t>
             </a:r>
             <a:r>
-              <a:rPr kumimoji="0" lang="fr-FR" sz="2000" b="0" i="0" u="none" strike="noStrike" kern="1200" cap="none" spc="0" normalizeH="0" baseline="0" noProof="0" dirty="0">
+              <a:rPr kumimoji="0" lang="fr-FR" sz="2000" b="0" i="0" u="none" strike="noStrike" kern="1200" cap="none" spc="0" normalizeH="0" baseline="0" noProof="0" dirty="0" smtClean="0">
                 <a:ln>
                   <a:noFill/>
                 </a:ln>
@@ -4185,7 +4185,7 @@
         <p:spPr>
           <a:xfrm>
             <a:off x="1104944" y="3941395"/>
-            <a:ext cx="3387125" cy="1985159"/>
+            <a:ext cx="3387125" cy="1500411"/>
           </a:xfrm>
           <a:prstGeom prst="rect">
             <a:avLst/>
@@ -4247,29 +4247,10 @@
                 <a:ea typeface="+mn-ea"/>
                 <a:cs typeface="Times New Roman" pitchFamily="18" charset="0"/>
               </a:rPr>
-              <a:t> by : </a:t>
-            </a:r>
-          </a:p>
-          <a:p>
-            <a:pPr marL="0" marR="0" lvl="0" indent="0" algn="l" defTabSz="914400" rtl="0" eaLnBrk="1" fontAlgn="auto" latinLnBrk="0" hangingPunct="1">
-              <a:lnSpc>
-                <a:spcPct val="150000"/>
-              </a:lnSpc>
-              <a:spcBef>
-                <a:spcPts val="0"/>
-              </a:spcBef>
-              <a:spcAft>
-                <a:spcPts val="0"/>
-              </a:spcAft>
-              <a:buClrTx/>
-              <a:buSzTx/>
-              <a:buFontTx/>
-              <a:buNone/>
-              <a:tabLst/>
-              <a:defRPr/>
-            </a:pPr>
-            <a:r>
-              <a:rPr kumimoji="0" lang="fr-FR" sz="2000" b="1" i="0" u="none" strike="noStrike" kern="1200" cap="none" spc="0" normalizeH="0" baseline="0" noProof="0" dirty="0">
+              <a:t> </a:t>
+            </a:r>
+            <a:r>
+              <a:rPr kumimoji="0" lang="fr-FR" sz="2000" b="1" i="0" u="none" strike="noStrike" kern="1200" cap="none" spc="0" normalizeH="0" baseline="0" noProof="0" dirty="0" smtClean="0">
                 <a:ln>
                   <a:noFill/>
                 </a:ln>
@@ -4283,10 +4264,10 @@
                 <a:ea typeface="+mn-ea"/>
                 <a:cs typeface="Times New Roman" pitchFamily="18" charset="0"/>
               </a:rPr>
-              <a:t>   - </a:t>
-            </a:r>
-            <a:r>
-              <a:rPr kumimoji="0" lang="fr-FR" sz="2000" b="1" i="0" u="none" strike="noStrike" kern="1200" cap="none" spc="0" normalizeH="0" baseline="0" noProof="0" dirty="0" err="1">
+              <a:t>by</a:t>
+            </a:r>
+            <a:r>
+              <a:rPr kumimoji="0" lang="fr-FR" sz="2000" b="1" i="0" u="none" strike="noStrike" kern="1200" cap="none" spc="0" normalizeH="0" noProof="0" dirty="0" smtClean="0">
                 <a:ln>
                   <a:noFill/>
                 </a:ln>
@@ -4300,10 +4281,10 @@
                 <a:ea typeface="+mn-ea"/>
                 <a:cs typeface="Times New Roman" pitchFamily="18" charset="0"/>
               </a:rPr>
-              <a:t>Rahlaoui</a:t>
-            </a:r>
-            <a:r>
-              <a:rPr kumimoji="0" lang="fr-FR" sz="2000" b="1" i="0" u="none" strike="noStrike" kern="1200" cap="none" spc="0" normalizeH="0" baseline="0" noProof="0" dirty="0">
+              <a:t> </a:t>
+            </a:r>
+            <a:r>
+              <a:rPr kumimoji="0" lang="fr-FR" sz="2000" b="1" i="0" u="none" strike="noStrike" kern="1200" cap="none" spc="0" normalizeH="0" baseline="0" noProof="0" dirty="0" smtClean="0">
                 <a:ln>
                   <a:noFill/>
                 </a:ln>
@@ -4317,89 +4298,7 @@
                 <a:ea typeface="+mn-ea"/>
                 <a:cs typeface="Times New Roman" pitchFamily="18" charset="0"/>
               </a:rPr>
-              <a:t> Lahcen</a:t>
-            </a:r>
-          </a:p>
-          <a:p>
-            <a:pPr>
-              <a:lnSpc>
-                <a:spcPct val="150000"/>
-              </a:lnSpc>
-              <a:defRPr/>
-            </a:pPr>
-            <a:r>
-              <a:rPr kumimoji="0" lang="fr-FR" sz="2000" b="1" i="0" u="none" strike="noStrike" kern="1200" cap="none" spc="0" normalizeH="0" baseline="0" noProof="0" dirty="0">
-                <a:ln>
-                  <a:noFill/>
-                </a:ln>
-                <a:solidFill>
-                  <a:prstClr val="black"/>
-                </a:solidFill>
-                <a:effectLst/>
-                <a:uLnTx/>
-                <a:uFillTx/>
-                <a:latin typeface="Times New Roman" pitchFamily="18" charset="0"/>
-                <a:ea typeface="+mn-ea"/>
-                <a:cs typeface="Times New Roman" pitchFamily="18" charset="0"/>
-              </a:rPr>
-              <a:t>   - Laoumir Mustapha </a:t>
-            </a:r>
-            <a:r>
-              <a:rPr kumimoji="0" lang="fr-FR" sz="2000" b="1" i="0" u="none" strike="noStrike" kern="1200" cap="none" spc="0" normalizeH="0" baseline="0" noProof="0" dirty="0" smtClean="0">
-                <a:ln>
-                  <a:noFill/>
-                </a:ln>
-                <a:solidFill>
-                  <a:prstClr val="black"/>
-                </a:solidFill>
-                <a:effectLst/>
-                <a:uLnTx/>
-                <a:uFillTx/>
-                <a:latin typeface="Times New Roman" pitchFamily="18" charset="0"/>
-                <a:ea typeface="+mn-ea"/>
-                <a:cs typeface="Times New Roman" pitchFamily="18" charset="0"/>
-              </a:rPr>
-              <a:t>AEK </a:t>
-            </a:r>
-            <a:r>
-              <a:rPr lang="ja-JP" altLang="en-US" sz="100" b="1" dirty="0"/>
-              <a:t>お前はもう死んでいる</a:t>
-            </a:r>
-          </a:p>
-          <a:p>
-            <a:pPr marL="0" marR="0" lvl="0" indent="0" algn="l" defTabSz="914400" rtl="0" eaLnBrk="1" fontAlgn="auto" latinLnBrk="0" hangingPunct="1">
-              <a:lnSpc>
-                <a:spcPct val="150000"/>
-              </a:lnSpc>
-              <a:spcBef>
-                <a:spcPts val="0"/>
-              </a:spcBef>
-              <a:spcAft>
-                <a:spcPts val="0"/>
-              </a:spcAft>
-              <a:buClrTx/>
-              <a:buSzTx/>
-              <a:buFontTx/>
-              <a:buNone/>
-              <a:tabLst/>
-              <a:defRPr/>
-            </a:pPr>
-            <a:r>
-              <a:rPr kumimoji="0" lang="fr-FR" sz="2000" b="1" i="0" u="none" strike="noStrike" kern="1200" cap="none" spc="0" normalizeH="0" baseline="0" noProof="0" dirty="0" smtClean="0">
-                <a:ln>
-                  <a:noFill/>
-                </a:ln>
-                <a:solidFill>
-                  <a:prstClr val="black"/>
-                </a:solidFill>
-                <a:effectLst/>
-                <a:uLnTx/>
-                <a:uFillTx/>
-                <a:latin typeface="Times New Roman" pitchFamily="18" charset="0"/>
-                <a:ea typeface="+mn-ea"/>
-                <a:cs typeface="Times New Roman" pitchFamily="18" charset="0"/>
-              </a:rPr>
-              <a:t> </a:t>
+              <a:t>: </a:t>
             </a:r>
             <a:endParaRPr kumimoji="0" lang="fr-FR" sz="2000" b="1" i="0" u="none" strike="noStrike" kern="1200" cap="none" spc="0" normalizeH="0" baseline="0" noProof="0" dirty="0">
               <a:ln>
@@ -4415,6 +4314,127 @@
               <a:ea typeface="+mn-ea"/>
               <a:cs typeface="Times New Roman" pitchFamily="18" charset="0"/>
             </a:endParaRPr>
+          </a:p>
+          <a:p>
+            <a:pPr marL="0" marR="0" lvl="0" indent="0" algn="l" defTabSz="914400" rtl="0" eaLnBrk="1" fontAlgn="auto" latinLnBrk="0" hangingPunct="1">
+              <a:lnSpc>
+                <a:spcPct val="150000"/>
+              </a:lnSpc>
+              <a:spcBef>
+                <a:spcPts val="0"/>
+              </a:spcBef>
+              <a:spcAft>
+                <a:spcPts val="0"/>
+              </a:spcAft>
+              <a:buClrTx/>
+              <a:buSzTx/>
+              <a:buFontTx/>
+              <a:buNone/>
+              <a:tabLst/>
+              <a:defRPr/>
+            </a:pPr>
+            <a:r>
+              <a:rPr kumimoji="0" lang="fr-FR" sz="2000" b="1" i="0" u="none" strike="noStrike" kern="1200" cap="none" spc="0" normalizeH="0" baseline="0" noProof="0" dirty="0">
+                <a:ln>
+                  <a:noFill/>
+                </a:ln>
+                <a:solidFill>
+                  <a:prstClr val="black"/>
+                </a:solidFill>
+                <a:effectLst/>
+                <a:uLnTx/>
+                <a:uFillTx/>
+                <a:latin typeface="Times New Roman" pitchFamily="18" charset="0"/>
+                <a:ea typeface="+mn-ea"/>
+                <a:cs typeface="Times New Roman" pitchFamily="18" charset="0"/>
+              </a:rPr>
+              <a:t>   - </a:t>
+            </a:r>
+            <a:r>
+              <a:rPr kumimoji="0" lang="fr-FR" sz="2000" b="1" i="0" u="none" strike="noStrike" kern="1200" cap="none" spc="0" normalizeH="0" baseline="0" noProof="0" dirty="0" err="1">
+                <a:ln>
+                  <a:noFill/>
+                </a:ln>
+                <a:solidFill>
+                  <a:prstClr val="black"/>
+                </a:solidFill>
+                <a:effectLst/>
+                <a:uLnTx/>
+                <a:uFillTx/>
+                <a:latin typeface="Times New Roman" pitchFamily="18" charset="0"/>
+                <a:ea typeface="+mn-ea"/>
+                <a:cs typeface="Times New Roman" pitchFamily="18" charset="0"/>
+              </a:rPr>
+              <a:t>Rahlaoui</a:t>
+            </a:r>
+            <a:r>
+              <a:rPr kumimoji="0" lang="fr-FR" sz="2000" b="1" i="0" u="none" strike="noStrike" kern="1200" cap="none" spc="0" normalizeH="0" baseline="0" noProof="0" dirty="0">
+                <a:ln>
+                  <a:noFill/>
+                </a:ln>
+                <a:solidFill>
+                  <a:prstClr val="black"/>
+                </a:solidFill>
+                <a:effectLst/>
+                <a:uLnTx/>
+                <a:uFillTx/>
+                <a:latin typeface="Times New Roman" pitchFamily="18" charset="0"/>
+                <a:ea typeface="+mn-ea"/>
+                <a:cs typeface="Times New Roman" pitchFamily="18" charset="0"/>
+              </a:rPr>
+              <a:t> Lahcen</a:t>
+            </a:r>
+          </a:p>
+          <a:p>
+            <a:pPr>
+              <a:lnSpc>
+                <a:spcPct val="150000"/>
+              </a:lnSpc>
+              <a:defRPr/>
+            </a:pPr>
+            <a:r>
+              <a:rPr kumimoji="0" lang="fr-FR" sz="2000" b="1" i="0" u="none" strike="noStrike" kern="1200" cap="none" spc="0" normalizeH="0" baseline="0" noProof="0" dirty="0">
+                <a:ln>
+                  <a:noFill/>
+                </a:ln>
+                <a:solidFill>
+                  <a:prstClr val="black"/>
+                </a:solidFill>
+                <a:effectLst/>
+                <a:uLnTx/>
+                <a:uFillTx/>
+                <a:latin typeface="Times New Roman" pitchFamily="18" charset="0"/>
+                <a:ea typeface="+mn-ea"/>
+                <a:cs typeface="Times New Roman" pitchFamily="18" charset="0"/>
+              </a:rPr>
+              <a:t>   - Laoumir Mustapha </a:t>
+            </a:r>
+            <a:r>
+              <a:rPr kumimoji="0" lang="fr-FR" sz="2000" b="1" i="0" u="none" strike="noStrike" kern="1200" cap="none" spc="0" normalizeH="0" baseline="0" noProof="0" dirty="0" smtClean="0">
+                <a:ln>
+                  <a:noFill/>
+                </a:ln>
+                <a:solidFill>
+                  <a:prstClr val="black"/>
+                </a:solidFill>
+                <a:effectLst/>
+                <a:uLnTx/>
+                <a:uFillTx/>
+                <a:latin typeface="Times New Roman" pitchFamily="18" charset="0"/>
+                <a:ea typeface="+mn-ea"/>
+                <a:cs typeface="Times New Roman" pitchFamily="18" charset="0"/>
+              </a:rPr>
+              <a:t>AEK </a:t>
+            </a:r>
+            <a:r>
+              <a:rPr lang="ja-JP" altLang="en-US" sz="100" b="1" dirty="0"/>
+              <a:t>お前はもう死んでい</a:t>
+            </a:r>
+            <a:r>
+              <a:rPr lang="ja-JP" altLang="en-US" sz="100" b="1" dirty="0" smtClean="0"/>
+              <a:t>る</a:t>
+            </a:r>
+            <a:endParaRPr lang="ja-JP" altLang="en-US" sz="100" b="1" dirty="0"/>
           </a:p>
         </p:txBody>
       </p:sp>
@@ -4550,6 +4570,13 @@
   <p:clrMapOvr>
     <a:masterClrMapping/>
   </p:clrMapOvr>
+  <p:timing>
+    <p:tnLst>
+      <p:par>
+        <p:cTn id="1" dur="indefinite" restart="never" nodeType="tmRoot"/>
+      </p:par>
+    </p:tnLst>
+  </p:timing>
 </p:sld>
 </file>
 
@@ -28195,6 +28222,17 @@
               </a:rPr>
               <a:t>SQLite</a:t>
             </a:r>
+            <a:r>
+              <a:rPr lang="fr-FR" sz="6000" b="1" dirty="0" smtClean="0">
+                <a:solidFill>
+                  <a:prstClr val="white"/>
+                </a:solidFill>
+                <a:latin typeface="Segoe UI" pitchFamily="34" charset="0"/>
+                <a:ea typeface="Segoe UI" pitchFamily="34" charset="0"/>
+                <a:cs typeface="Segoe UI" pitchFamily="34" charset="0"/>
+              </a:rPr>
+              <a:t> introduction</a:t>
+            </a:r>
             <a:endParaRPr kumimoji="0" lang="fr-FR" sz="6000" b="1" i="0" u="none" strike="noStrike" kern="1200" cap="none" spc="0" normalizeH="0" baseline="0" noProof="0" dirty="0">
               <a:ln>
                 <a:noFill/>

--- a/Presentation-projet-SQLite.pptx
+++ b/Presentation-projet-SQLite.pptx
@@ -5014,91 +5014,9 @@
   <p:timing>
     <p:tnLst>
       <p:par>
-        <p:cTn id="1" dur="indefinite" restart="never" nodeType="tmRoot">
-          <p:childTnLst>
-            <p:seq concurrent="1" nextAc="seek">
-              <p:cTn id="2" dur="indefinite" nodeType="mainSeq">
-                <p:childTnLst>
-                  <p:par>
-                    <p:cTn id="3" fill="hold">
-                      <p:stCondLst>
-                        <p:cond delay="indefinite"/>
-                        <p:cond evt="onBegin" delay="0">
-                          <p:tn val="2"/>
-                        </p:cond>
-                      </p:stCondLst>
-                      <p:childTnLst>
-                        <p:par>
-                          <p:cTn id="4" fill="hold">
-                            <p:stCondLst>
-                              <p:cond delay="0"/>
-                            </p:stCondLst>
-                            <p:childTnLst>
-                              <p:par>
-                                <p:cTn id="5" presetID="22" presetClass="entr" presetSubtype="4" fill="hold" grpId="0" nodeType="withEffect">
-                                  <p:stCondLst>
-                                    <p:cond delay="0"/>
-                                  </p:stCondLst>
-                                  <p:childTnLst>
-                                    <p:set>
-                                      <p:cBhvr>
-                                        <p:cTn id="6" dur="1" fill="hold">
-                                          <p:stCondLst>
-                                            <p:cond delay="0"/>
-                                          </p:stCondLst>
-                                        </p:cTn>
-                                        <p:tgtEl>
-                                          <p:spTgt spid="10"/>
-                                        </p:tgtEl>
-                                        <p:attrNameLst>
-                                          <p:attrName>style.visibility</p:attrName>
-                                        </p:attrNameLst>
-                                      </p:cBhvr>
-                                      <p:to>
-                                        <p:strVal val="visible"/>
-                                      </p:to>
-                                    </p:set>
-                                    <p:animEffect transition="in" filter="wipe(down)">
-                                      <p:cBhvr>
-                                        <p:cTn id="7" dur="500"/>
-                                        <p:tgtEl>
-                                          <p:spTgt spid="10"/>
-                                        </p:tgtEl>
-                                      </p:cBhvr>
-                                    </p:animEffect>
-                                  </p:childTnLst>
-                                </p:cTn>
-                              </p:par>
-                            </p:childTnLst>
-                          </p:cTn>
-                        </p:par>
-                      </p:childTnLst>
-                    </p:cTn>
-                  </p:par>
-                </p:childTnLst>
-              </p:cTn>
-              <p:prevCondLst>
-                <p:cond evt="onPrev" delay="0">
-                  <p:tgtEl>
-                    <p:sldTgt/>
-                  </p:tgtEl>
-                </p:cond>
-              </p:prevCondLst>
-              <p:nextCondLst>
-                <p:cond evt="onNext" delay="0">
-                  <p:tgtEl>
-                    <p:sldTgt/>
-                  </p:tgtEl>
-                </p:cond>
-              </p:nextCondLst>
-            </p:seq>
-          </p:childTnLst>
-        </p:cTn>
+        <p:cTn id="1" dur="indefinite" restart="never" nodeType="tmRoot"/>
       </p:par>
     </p:tnLst>
-    <p:bldLst>
-      <p:bldP spid="10" grpId="0"/>
-    </p:bldLst>
   </p:timing>
 </p:sld>
 </file>
@@ -5786,12 +5704,13 @@
             </a:r>
             <a:r>
               <a:rPr lang="en-US" sz="2400" dirty="0"/>
-              <a:t>database size up to 2 TB (2048 GB</a:t>
+              <a:t>database size up to </a:t>
             </a:r>
             <a:r>
               <a:rPr lang="en-US" sz="2400" dirty="0" smtClean="0"/>
-              <a:t>).</a:t>
-            </a:r>
+              <a:t>281 TB .</a:t>
+            </a:r>
+            <a:endParaRPr lang="en-US" sz="2400" dirty="0" smtClean="0"/>
           </a:p>
           <a:p>
             <a:pPr marL="342900" indent="-342900">
@@ -6773,6 +6692,13 @@
   <p:clrMapOvr>
     <a:masterClrMapping/>
   </p:clrMapOvr>
+  <p:timing>
+    <p:tnLst>
+      <p:par>
+        <p:cTn id="1" dur="indefinite" restart="never" nodeType="tmRoot"/>
+      </p:par>
+    </p:tnLst>
+  </p:timing>
 </p:sld>
 </file>
 
@@ -6931,6 +6857,13 @@
   <p:clrMapOvr>
     <a:masterClrMapping/>
   </p:clrMapOvr>
+  <p:timing>
+    <p:tnLst>
+      <p:par>
+        <p:cTn id="1" dur="indefinite" restart="never" nodeType="tmRoot"/>
+      </p:par>
+    </p:tnLst>
+  </p:timing>
 </p:sld>
 </file>
 
@@ -7068,6 +7001,13 @@
   <p:clrMapOvr>
     <a:masterClrMapping/>
   </p:clrMapOvr>
+  <p:timing>
+    <p:tnLst>
+      <p:par>
+        <p:cTn id="1" dur="indefinite" restart="never" nodeType="tmRoot"/>
+      </p:par>
+    </p:tnLst>
+  </p:timing>
 </p:sld>
 </file>
 
@@ -7165,6 +7105,13 @@
       </p:transition>
     </mc:Fallback>
   </mc:AlternateContent>
+  <p:timing>
+    <p:tnLst>
+      <p:par>
+        <p:cTn id="1" dur="indefinite" restart="never" nodeType="tmRoot"/>
+      </p:par>
+    </p:tnLst>
+  </p:timing>
 </p:sld>
 </file>
 
@@ -7203,7 +7150,7 @@
         </p:nvSpPr>
         <p:spPr>
           <a:xfrm>
-            <a:off x="5103564" y="261228"/>
+            <a:off x="5103564" y="274291"/>
             <a:ext cx="1361478" cy="810950"/>
           </a:xfrm>
           <a:prstGeom prst="rect">
@@ -7266,7 +7213,7 @@
         </p:nvSpPr>
         <p:spPr>
           <a:xfrm>
-            <a:off x="144203" y="1126982"/>
+            <a:off x="144203" y="1140045"/>
             <a:ext cx="5198206" cy="692497"/>
           </a:xfrm>
           <a:prstGeom prst="rect">
@@ -7304,7 +7251,7 @@
         </p:nvSpPr>
         <p:spPr>
           <a:xfrm>
-            <a:off x="4562488" y="1206143"/>
+            <a:off x="4562488" y="1219206"/>
             <a:ext cx="2443629" cy="584775"/>
           </a:xfrm>
           <a:prstGeom prst="rect">
@@ -7358,7 +7305,7 @@
         </p:blipFill>
         <p:spPr>
           <a:xfrm>
-            <a:off x="1065656" y="2347131"/>
+            <a:off x="1065656" y="2360194"/>
             <a:ext cx="1005191" cy="859403"/>
           </a:xfrm>
           <a:prstGeom prst="rect">
@@ -7388,7 +7335,7 @@
         </p:blipFill>
         <p:spPr>
           <a:xfrm>
-            <a:off x="8835587" y="2165948"/>
+            <a:off x="8835587" y="2179011"/>
             <a:ext cx="2355829" cy="1328611"/>
           </a:xfrm>
           <a:prstGeom prst="rect">
@@ -7418,7 +7365,7 @@
         </p:blipFill>
         <p:spPr>
           <a:xfrm>
-            <a:off x="4979636" y="2343338"/>
+            <a:off x="4979636" y="2356401"/>
             <a:ext cx="1609331" cy="786931"/>
           </a:xfrm>
           <a:prstGeom prst="rect">
@@ -7448,7 +7395,7 @@
         </p:blipFill>
         <p:spPr>
           <a:xfrm>
-            <a:off x="2772251" y="4589733"/>
+            <a:off x="2772251" y="4602796"/>
             <a:ext cx="1885161" cy="966111"/>
           </a:xfrm>
           <a:prstGeom prst="rect">
@@ -7478,7 +7425,7 @@
         </p:blipFill>
         <p:spPr>
           <a:xfrm>
-            <a:off x="7158174" y="4553743"/>
+            <a:off x="7158174" y="4566806"/>
             <a:ext cx="1470697" cy="1002101"/>
           </a:xfrm>
           <a:prstGeom prst="rect">
@@ -7494,7 +7441,7 @@
         </p:nvSpPr>
         <p:spPr>
           <a:xfrm>
-            <a:off x="441363" y="3494559"/>
+            <a:off x="441363" y="3507622"/>
             <a:ext cx="2253776" cy="369332"/>
           </a:xfrm>
           <a:prstGeom prst="rect">
@@ -7529,7 +7476,7 @@
         </p:nvSpPr>
         <p:spPr>
           <a:xfrm>
-            <a:off x="2587943" y="5912354"/>
+            <a:off x="2587943" y="5925417"/>
             <a:ext cx="2253776" cy="369332"/>
           </a:xfrm>
           <a:prstGeom prst="rect">
@@ -7563,7 +7510,7 @@
         </p:nvSpPr>
         <p:spPr>
           <a:xfrm>
-            <a:off x="8886613" y="3518284"/>
+            <a:off x="8886613" y="3531347"/>
             <a:ext cx="2253776" cy="369332"/>
           </a:xfrm>
           <a:prstGeom prst="rect">
@@ -7597,7 +7544,7 @@
         </p:nvSpPr>
         <p:spPr>
           <a:xfrm>
-            <a:off x="4423577" y="3494559"/>
+            <a:off x="4423577" y="3507622"/>
             <a:ext cx="2734597" cy="369332"/>
           </a:xfrm>
           <a:prstGeom prst="rect">
@@ -7631,7 +7578,7 @@
         </p:nvSpPr>
         <p:spPr>
           <a:xfrm>
-            <a:off x="6526223" y="5912354"/>
+            <a:off x="6526223" y="5925417"/>
             <a:ext cx="2734597" cy="646331"/>
           </a:xfrm>
           <a:prstGeom prst="rect">
@@ -7674,867 +7621,9 @@
   <p:timing>
     <p:tnLst>
       <p:par>
-        <p:cTn id="1" dur="indefinite" restart="never" nodeType="tmRoot">
-          <p:childTnLst>
-            <p:seq concurrent="1" nextAc="seek">
-              <p:cTn id="2" dur="indefinite" nodeType="mainSeq">
-                <p:childTnLst>
-                  <p:par>
-                    <p:cTn id="3" fill="hold">
-                      <p:stCondLst>
-                        <p:cond delay="indefinite"/>
-                      </p:stCondLst>
-                      <p:childTnLst>
-                        <p:par>
-                          <p:cTn id="4" fill="hold">
-                            <p:stCondLst>
-                              <p:cond delay="0"/>
-                            </p:stCondLst>
-                            <p:childTnLst>
-                              <p:par>
-                                <p:cTn id="5" presetID="42" presetClass="entr" presetSubtype="0" fill="hold" nodeType="clickEffect">
-                                  <p:stCondLst>
-                                    <p:cond delay="0"/>
-                                  </p:stCondLst>
-                                  <p:childTnLst>
-                                    <p:set>
-                                      <p:cBhvr>
-                                        <p:cTn id="6" dur="1" fill="hold">
-                                          <p:stCondLst>
-                                            <p:cond delay="0"/>
-                                          </p:stCondLst>
-                                        </p:cTn>
-                                        <p:tgtEl>
-                                          <p:spTgt spid="7"/>
-                                        </p:tgtEl>
-                                        <p:attrNameLst>
-                                          <p:attrName>style.visibility</p:attrName>
-                                        </p:attrNameLst>
-                                      </p:cBhvr>
-                                      <p:to>
-                                        <p:strVal val="visible"/>
-                                      </p:to>
-                                    </p:set>
-                                    <p:animEffect transition="in" filter="fade">
-                                      <p:cBhvr>
-                                        <p:cTn id="7" dur="1000"/>
-                                        <p:tgtEl>
-                                          <p:spTgt spid="7"/>
-                                        </p:tgtEl>
-                                      </p:cBhvr>
-                                    </p:animEffect>
-                                    <p:anim calcmode="lin" valueType="num">
-                                      <p:cBhvr>
-                                        <p:cTn id="8" dur="1000" fill="hold"/>
-                                        <p:tgtEl>
-                                          <p:spTgt spid="7"/>
-                                        </p:tgtEl>
-                                        <p:attrNameLst>
-                                          <p:attrName>ppt_x</p:attrName>
-                                        </p:attrNameLst>
-                                      </p:cBhvr>
-                                      <p:tavLst>
-                                        <p:tav tm="0">
-                                          <p:val>
-                                            <p:strVal val="#ppt_x"/>
-                                          </p:val>
-                                        </p:tav>
-                                        <p:tav tm="100000">
-                                          <p:val>
-                                            <p:strVal val="#ppt_x"/>
-                                          </p:val>
-                                        </p:tav>
-                                      </p:tavLst>
-                                    </p:anim>
-                                    <p:anim calcmode="lin" valueType="num">
-                                      <p:cBhvr>
-                                        <p:cTn id="9" dur="1000" fill="hold"/>
-                                        <p:tgtEl>
-                                          <p:spTgt spid="7"/>
-                                        </p:tgtEl>
-                                        <p:attrNameLst>
-                                          <p:attrName>ppt_y</p:attrName>
-                                        </p:attrNameLst>
-                                      </p:cBhvr>
-                                      <p:tavLst>
-                                        <p:tav tm="0">
-                                          <p:val>
-                                            <p:strVal val="#ppt_y+.1"/>
-                                          </p:val>
-                                        </p:tav>
-                                        <p:tav tm="100000">
-                                          <p:val>
-                                            <p:strVal val="#ppt_y"/>
-                                          </p:val>
-                                        </p:tav>
-                                      </p:tavLst>
-                                    </p:anim>
-                                  </p:childTnLst>
-                                </p:cTn>
-                              </p:par>
-                              <p:par>
-                                <p:cTn id="10" presetID="42" presetClass="entr" presetSubtype="0" fill="hold" nodeType="withEffect">
-                                  <p:stCondLst>
-                                    <p:cond delay="0"/>
-                                  </p:stCondLst>
-                                  <p:childTnLst>
-                                    <p:set>
-                                      <p:cBhvr>
-                                        <p:cTn id="11" dur="1" fill="hold">
-                                          <p:stCondLst>
-                                            <p:cond delay="0"/>
-                                          </p:stCondLst>
-                                        </p:cTn>
-                                        <p:tgtEl>
-                                          <p:spTgt spid="12"/>
-                                        </p:tgtEl>
-                                        <p:attrNameLst>
-                                          <p:attrName>style.visibility</p:attrName>
-                                        </p:attrNameLst>
-                                      </p:cBhvr>
-                                      <p:to>
-                                        <p:strVal val="visible"/>
-                                      </p:to>
-                                    </p:set>
-                                    <p:animEffect transition="in" filter="fade">
-                                      <p:cBhvr>
-                                        <p:cTn id="12" dur="1000"/>
-                                        <p:tgtEl>
-                                          <p:spTgt spid="12"/>
-                                        </p:tgtEl>
-                                      </p:cBhvr>
-                                    </p:animEffect>
-                                    <p:anim calcmode="lin" valueType="num">
-                                      <p:cBhvr>
-                                        <p:cTn id="13" dur="1000" fill="hold"/>
-                                        <p:tgtEl>
-                                          <p:spTgt spid="12"/>
-                                        </p:tgtEl>
-                                        <p:attrNameLst>
-                                          <p:attrName>ppt_x</p:attrName>
-                                        </p:attrNameLst>
-                                      </p:cBhvr>
-                                      <p:tavLst>
-                                        <p:tav tm="0">
-                                          <p:val>
-                                            <p:strVal val="#ppt_x"/>
-                                          </p:val>
-                                        </p:tav>
-                                        <p:tav tm="100000">
-                                          <p:val>
-                                            <p:strVal val="#ppt_x"/>
-                                          </p:val>
-                                        </p:tav>
-                                      </p:tavLst>
-                                    </p:anim>
-                                    <p:anim calcmode="lin" valueType="num">
-                                      <p:cBhvr>
-                                        <p:cTn id="14" dur="1000" fill="hold"/>
-                                        <p:tgtEl>
-                                          <p:spTgt spid="12"/>
-                                        </p:tgtEl>
-                                        <p:attrNameLst>
-                                          <p:attrName>ppt_y</p:attrName>
-                                        </p:attrNameLst>
-                                      </p:cBhvr>
-                                      <p:tavLst>
-                                        <p:tav tm="0">
-                                          <p:val>
-                                            <p:strVal val="#ppt_y+.1"/>
-                                          </p:val>
-                                        </p:tav>
-                                        <p:tav tm="100000">
-                                          <p:val>
-                                            <p:strVal val="#ppt_y"/>
-                                          </p:val>
-                                        </p:tav>
-                                      </p:tavLst>
-                                    </p:anim>
-                                  </p:childTnLst>
-                                </p:cTn>
-                              </p:par>
-                              <p:par>
-                                <p:cTn id="15" presetID="42" presetClass="entr" presetSubtype="0" fill="hold" grpId="0" nodeType="withEffect">
-                                  <p:stCondLst>
-                                    <p:cond delay="0"/>
-                                  </p:stCondLst>
-                                  <p:childTnLst>
-                                    <p:set>
-                                      <p:cBhvr>
-                                        <p:cTn id="16" dur="1" fill="hold">
-                                          <p:stCondLst>
-                                            <p:cond delay="0"/>
-                                          </p:stCondLst>
-                                        </p:cTn>
-                                        <p:tgtEl>
-                                          <p:spTgt spid="15"/>
-                                        </p:tgtEl>
-                                        <p:attrNameLst>
-                                          <p:attrName>style.visibility</p:attrName>
-                                        </p:attrNameLst>
-                                      </p:cBhvr>
-                                      <p:to>
-                                        <p:strVal val="visible"/>
-                                      </p:to>
-                                    </p:set>
-                                    <p:animEffect transition="in" filter="fade">
-                                      <p:cBhvr>
-                                        <p:cTn id="17" dur="1000"/>
-                                        <p:tgtEl>
-                                          <p:spTgt spid="15"/>
-                                        </p:tgtEl>
-                                      </p:cBhvr>
-                                    </p:animEffect>
-                                    <p:anim calcmode="lin" valueType="num">
-                                      <p:cBhvr>
-                                        <p:cTn id="18" dur="1000" fill="hold"/>
-                                        <p:tgtEl>
-                                          <p:spTgt spid="15"/>
-                                        </p:tgtEl>
-                                        <p:attrNameLst>
-                                          <p:attrName>ppt_x</p:attrName>
-                                        </p:attrNameLst>
-                                      </p:cBhvr>
-                                      <p:tavLst>
-                                        <p:tav tm="0">
-                                          <p:val>
-                                            <p:strVal val="#ppt_x"/>
-                                          </p:val>
-                                        </p:tav>
-                                        <p:tav tm="100000">
-                                          <p:val>
-                                            <p:strVal val="#ppt_x"/>
-                                          </p:val>
-                                        </p:tav>
-                                      </p:tavLst>
-                                    </p:anim>
-                                    <p:anim calcmode="lin" valueType="num">
-                                      <p:cBhvr>
-                                        <p:cTn id="19" dur="1000" fill="hold"/>
-                                        <p:tgtEl>
-                                          <p:spTgt spid="15"/>
-                                        </p:tgtEl>
-                                        <p:attrNameLst>
-                                          <p:attrName>ppt_y</p:attrName>
-                                        </p:attrNameLst>
-                                      </p:cBhvr>
-                                      <p:tavLst>
-                                        <p:tav tm="0">
-                                          <p:val>
-                                            <p:strVal val="#ppt_y+.1"/>
-                                          </p:val>
-                                        </p:tav>
-                                        <p:tav tm="100000">
-                                          <p:val>
-                                            <p:strVal val="#ppt_y"/>
-                                          </p:val>
-                                        </p:tav>
-                                      </p:tavLst>
-                                    </p:anim>
-                                  </p:childTnLst>
-                                </p:cTn>
-                              </p:par>
-                              <p:par>
-                                <p:cTn id="20" presetID="42" presetClass="entr" presetSubtype="0" fill="hold" grpId="0" nodeType="withEffect">
-                                  <p:stCondLst>
-                                    <p:cond delay="0"/>
-                                  </p:stCondLst>
-                                  <p:childTnLst>
-                                    <p:set>
-                                      <p:cBhvr>
-                                        <p:cTn id="21" dur="1" fill="hold">
-                                          <p:stCondLst>
-                                            <p:cond delay="0"/>
-                                          </p:stCondLst>
-                                        </p:cTn>
-                                        <p:tgtEl>
-                                          <p:spTgt spid="16"/>
-                                        </p:tgtEl>
-                                        <p:attrNameLst>
-                                          <p:attrName>style.visibility</p:attrName>
-                                        </p:attrNameLst>
-                                      </p:cBhvr>
-                                      <p:to>
-                                        <p:strVal val="visible"/>
-                                      </p:to>
-                                    </p:set>
-                                    <p:animEffect transition="in" filter="fade">
-                                      <p:cBhvr>
-                                        <p:cTn id="22" dur="1000"/>
-                                        <p:tgtEl>
-                                          <p:spTgt spid="16"/>
-                                        </p:tgtEl>
-                                      </p:cBhvr>
-                                    </p:animEffect>
-                                    <p:anim calcmode="lin" valueType="num">
-                                      <p:cBhvr>
-                                        <p:cTn id="23" dur="1000" fill="hold"/>
-                                        <p:tgtEl>
-                                          <p:spTgt spid="16"/>
-                                        </p:tgtEl>
-                                        <p:attrNameLst>
-                                          <p:attrName>ppt_x</p:attrName>
-                                        </p:attrNameLst>
-                                      </p:cBhvr>
-                                      <p:tavLst>
-                                        <p:tav tm="0">
-                                          <p:val>
-                                            <p:strVal val="#ppt_x"/>
-                                          </p:val>
-                                        </p:tav>
-                                        <p:tav tm="100000">
-                                          <p:val>
-                                            <p:strVal val="#ppt_x"/>
-                                          </p:val>
-                                        </p:tav>
-                                      </p:tavLst>
-                                    </p:anim>
-                                    <p:anim calcmode="lin" valueType="num">
-                                      <p:cBhvr>
-                                        <p:cTn id="24" dur="1000" fill="hold"/>
-                                        <p:tgtEl>
-                                          <p:spTgt spid="16"/>
-                                        </p:tgtEl>
-                                        <p:attrNameLst>
-                                          <p:attrName>ppt_y</p:attrName>
-                                        </p:attrNameLst>
-                                      </p:cBhvr>
-                                      <p:tavLst>
-                                        <p:tav tm="0">
-                                          <p:val>
-                                            <p:strVal val="#ppt_y+.1"/>
-                                          </p:val>
-                                        </p:tav>
-                                        <p:tav tm="100000">
-                                          <p:val>
-                                            <p:strVal val="#ppt_y"/>
-                                          </p:val>
-                                        </p:tav>
-                                      </p:tavLst>
-                                    </p:anim>
-                                  </p:childTnLst>
-                                </p:cTn>
-                              </p:par>
-                              <p:par>
-                                <p:cTn id="25" presetID="42" presetClass="entr" presetSubtype="0" fill="hold" grpId="0" nodeType="withEffect">
-                                  <p:stCondLst>
-                                    <p:cond delay="0"/>
-                                  </p:stCondLst>
-                                  <p:childTnLst>
-                                    <p:set>
-                                      <p:cBhvr>
-                                        <p:cTn id="26" dur="1" fill="hold">
-                                          <p:stCondLst>
-                                            <p:cond delay="0"/>
-                                          </p:stCondLst>
-                                        </p:cTn>
-                                        <p:tgtEl>
-                                          <p:spTgt spid="17"/>
-                                        </p:tgtEl>
-                                        <p:attrNameLst>
-                                          <p:attrName>style.visibility</p:attrName>
-                                        </p:attrNameLst>
-                                      </p:cBhvr>
-                                      <p:to>
-                                        <p:strVal val="visible"/>
-                                      </p:to>
-                                    </p:set>
-                                    <p:animEffect transition="in" filter="fade">
-                                      <p:cBhvr>
-                                        <p:cTn id="27" dur="1000"/>
-                                        <p:tgtEl>
-                                          <p:spTgt spid="17"/>
-                                        </p:tgtEl>
-                                      </p:cBhvr>
-                                    </p:animEffect>
-                                    <p:anim calcmode="lin" valueType="num">
-                                      <p:cBhvr>
-                                        <p:cTn id="28" dur="1000" fill="hold"/>
-                                        <p:tgtEl>
-                                          <p:spTgt spid="17"/>
-                                        </p:tgtEl>
-                                        <p:attrNameLst>
-                                          <p:attrName>ppt_x</p:attrName>
-                                        </p:attrNameLst>
-                                      </p:cBhvr>
-                                      <p:tavLst>
-                                        <p:tav tm="0">
-                                          <p:val>
-                                            <p:strVal val="#ppt_x"/>
-                                          </p:val>
-                                        </p:tav>
-                                        <p:tav tm="100000">
-                                          <p:val>
-                                            <p:strVal val="#ppt_x"/>
-                                          </p:val>
-                                        </p:tav>
-                                      </p:tavLst>
-                                    </p:anim>
-                                    <p:anim calcmode="lin" valueType="num">
-                                      <p:cBhvr>
-                                        <p:cTn id="29" dur="1000" fill="hold"/>
-                                        <p:tgtEl>
-                                          <p:spTgt spid="17"/>
-                                        </p:tgtEl>
-                                        <p:attrNameLst>
-                                          <p:attrName>ppt_y</p:attrName>
-                                        </p:attrNameLst>
-                                      </p:cBhvr>
-                                      <p:tavLst>
-                                        <p:tav tm="0">
-                                          <p:val>
-                                            <p:strVal val="#ppt_y+.1"/>
-                                          </p:val>
-                                        </p:tav>
-                                        <p:tav tm="100000">
-                                          <p:val>
-                                            <p:strVal val="#ppt_y"/>
-                                          </p:val>
-                                        </p:tav>
-                                      </p:tavLst>
-                                    </p:anim>
-                                  </p:childTnLst>
-                                </p:cTn>
-                              </p:par>
-                              <p:par>
-                                <p:cTn id="30" presetID="42" presetClass="entr" presetSubtype="0" fill="hold" nodeType="withEffect">
-                                  <p:stCondLst>
-                                    <p:cond delay="0"/>
-                                  </p:stCondLst>
-                                  <p:childTnLst>
-                                    <p:set>
-                                      <p:cBhvr>
-                                        <p:cTn id="31" dur="1" fill="hold">
-                                          <p:stCondLst>
-                                            <p:cond delay="0"/>
-                                          </p:stCondLst>
-                                        </p:cTn>
-                                        <p:tgtEl>
-                                          <p:spTgt spid="9"/>
-                                        </p:tgtEl>
-                                        <p:attrNameLst>
-                                          <p:attrName>style.visibility</p:attrName>
-                                        </p:attrNameLst>
-                                      </p:cBhvr>
-                                      <p:to>
-                                        <p:strVal val="visible"/>
-                                      </p:to>
-                                    </p:set>
-                                    <p:animEffect transition="in" filter="fade">
-                                      <p:cBhvr>
-                                        <p:cTn id="32" dur="1000"/>
-                                        <p:tgtEl>
-                                          <p:spTgt spid="9"/>
-                                        </p:tgtEl>
-                                      </p:cBhvr>
-                                    </p:animEffect>
-                                    <p:anim calcmode="lin" valueType="num">
-                                      <p:cBhvr>
-                                        <p:cTn id="33" dur="1000" fill="hold"/>
-                                        <p:tgtEl>
-                                          <p:spTgt spid="9"/>
-                                        </p:tgtEl>
-                                        <p:attrNameLst>
-                                          <p:attrName>ppt_x</p:attrName>
-                                        </p:attrNameLst>
-                                      </p:cBhvr>
-                                      <p:tavLst>
-                                        <p:tav tm="0">
-                                          <p:val>
-                                            <p:strVal val="#ppt_x"/>
-                                          </p:val>
-                                        </p:tav>
-                                        <p:tav tm="100000">
-                                          <p:val>
-                                            <p:strVal val="#ppt_x"/>
-                                          </p:val>
-                                        </p:tav>
-                                      </p:tavLst>
-                                    </p:anim>
-                                    <p:anim calcmode="lin" valueType="num">
-                                      <p:cBhvr>
-                                        <p:cTn id="34" dur="1000" fill="hold"/>
-                                        <p:tgtEl>
-                                          <p:spTgt spid="9"/>
-                                        </p:tgtEl>
-                                        <p:attrNameLst>
-                                          <p:attrName>ppt_y</p:attrName>
-                                        </p:attrNameLst>
-                                      </p:cBhvr>
-                                      <p:tavLst>
-                                        <p:tav tm="0">
-                                          <p:val>
-                                            <p:strVal val="#ppt_y+.1"/>
-                                          </p:val>
-                                        </p:tav>
-                                        <p:tav tm="100000">
-                                          <p:val>
-                                            <p:strVal val="#ppt_y"/>
-                                          </p:val>
-                                        </p:tav>
-                                      </p:tavLst>
-                                    </p:anim>
-                                  </p:childTnLst>
-                                </p:cTn>
-                              </p:par>
-                              <p:par>
-                                <p:cTn id="35" presetID="42" presetClass="entr" presetSubtype="0" fill="hold" nodeType="withEffect">
-                                  <p:stCondLst>
-                                    <p:cond delay="0"/>
-                                  </p:stCondLst>
-                                  <p:childTnLst>
-                                    <p:set>
-                                      <p:cBhvr>
-                                        <p:cTn id="36" dur="1" fill="hold">
-                                          <p:stCondLst>
-                                            <p:cond delay="0"/>
-                                          </p:stCondLst>
-                                        </p:cTn>
-                                        <p:tgtEl>
-                                          <p:spTgt spid="11"/>
-                                        </p:tgtEl>
-                                        <p:attrNameLst>
-                                          <p:attrName>style.visibility</p:attrName>
-                                        </p:attrNameLst>
-                                      </p:cBhvr>
-                                      <p:to>
-                                        <p:strVal val="visible"/>
-                                      </p:to>
-                                    </p:set>
-                                    <p:animEffect transition="in" filter="fade">
-                                      <p:cBhvr>
-                                        <p:cTn id="37" dur="1000"/>
-                                        <p:tgtEl>
-                                          <p:spTgt spid="11"/>
-                                        </p:tgtEl>
-                                      </p:cBhvr>
-                                    </p:animEffect>
-                                    <p:anim calcmode="lin" valueType="num">
-                                      <p:cBhvr>
-                                        <p:cTn id="38" dur="1000" fill="hold"/>
-                                        <p:tgtEl>
-                                          <p:spTgt spid="11"/>
-                                        </p:tgtEl>
-                                        <p:attrNameLst>
-                                          <p:attrName>ppt_x</p:attrName>
-                                        </p:attrNameLst>
-                                      </p:cBhvr>
-                                      <p:tavLst>
-                                        <p:tav tm="0">
-                                          <p:val>
-                                            <p:strVal val="#ppt_x"/>
-                                          </p:val>
-                                        </p:tav>
-                                        <p:tav tm="100000">
-                                          <p:val>
-                                            <p:strVal val="#ppt_x"/>
-                                          </p:val>
-                                        </p:tav>
-                                      </p:tavLst>
-                                    </p:anim>
-                                    <p:anim calcmode="lin" valueType="num">
-                                      <p:cBhvr>
-                                        <p:cTn id="39" dur="1000" fill="hold"/>
-                                        <p:tgtEl>
-                                          <p:spTgt spid="11"/>
-                                        </p:tgtEl>
-                                        <p:attrNameLst>
-                                          <p:attrName>ppt_y</p:attrName>
-                                        </p:attrNameLst>
-                                      </p:cBhvr>
-                                      <p:tavLst>
-                                        <p:tav tm="0">
-                                          <p:val>
-                                            <p:strVal val="#ppt_y+.1"/>
-                                          </p:val>
-                                        </p:tav>
-                                        <p:tav tm="100000">
-                                          <p:val>
-                                            <p:strVal val="#ppt_y"/>
-                                          </p:val>
-                                        </p:tav>
-                                      </p:tavLst>
-                                    </p:anim>
-                                  </p:childTnLst>
-                                </p:cTn>
-                              </p:par>
-                              <p:par>
-                                <p:cTn id="40" presetID="42" presetClass="entr" presetSubtype="0" fill="hold" nodeType="withEffect">
-                                  <p:stCondLst>
-                                    <p:cond delay="0"/>
-                                  </p:stCondLst>
-                                  <p:childTnLst>
-                                    <p:set>
-                                      <p:cBhvr>
-                                        <p:cTn id="41" dur="1" fill="hold">
-                                          <p:stCondLst>
-                                            <p:cond delay="0"/>
-                                          </p:stCondLst>
-                                        </p:cTn>
-                                        <p:tgtEl>
-                                          <p:spTgt spid="14"/>
-                                        </p:tgtEl>
-                                        <p:attrNameLst>
-                                          <p:attrName>style.visibility</p:attrName>
-                                        </p:attrNameLst>
-                                      </p:cBhvr>
-                                      <p:to>
-                                        <p:strVal val="visible"/>
-                                      </p:to>
-                                    </p:set>
-                                    <p:animEffect transition="in" filter="fade">
-                                      <p:cBhvr>
-                                        <p:cTn id="42" dur="1000"/>
-                                        <p:tgtEl>
-                                          <p:spTgt spid="14"/>
-                                        </p:tgtEl>
-                                      </p:cBhvr>
-                                    </p:animEffect>
-                                    <p:anim calcmode="lin" valueType="num">
-                                      <p:cBhvr>
-                                        <p:cTn id="43" dur="1000" fill="hold"/>
-                                        <p:tgtEl>
-                                          <p:spTgt spid="14"/>
-                                        </p:tgtEl>
-                                        <p:attrNameLst>
-                                          <p:attrName>ppt_x</p:attrName>
-                                        </p:attrNameLst>
-                                      </p:cBhvr>
-                                      <p:tavLst>
-                                        <p:tav tm="0">
-                                          <p:val>
-                                            <p:strVal val="#ppt_x"/>
-                                          </p:val>
-                                        </p:tav>
-                                        <p:tav tm="100000">
-                                          <p:val>
-                                            <p:strVal val="#ppt_x"/>
-                                          </p:val>
-                                        </p:tav>
-                                      </p:tavLst>
-                                    </p:anim>
-                                    <p:anim calcmode="lin" valueType="num">
-                                      <p:cBhvr>
-                                        <p:cTn id="44" dur="1000" fill="hold"/>
-                                        <p:tgtEl>
-                                          <p:spTgt spid="14"/>
-                                        </p:tgtEl>
-                                        <p:attrNameLst>
-                                          <p:attrName>ppt_y</p:attrName>
-                                        </p:attrNameLst>
-                                      </p:cBhvr>
-                                      <p:tavLst>
-                                        <p:tav tm="0">
-                                          <p:val>
-                                            <p:strVal val="#ppt_y+.1"/>
-                                          </p:val>
-                                        </p:tav>
-                                        <p:tav tm="100000">
-                                          <p:val>
-                                            <p:strVal val="#ppt_y"/>
-                                          </p:val>
-                                        </p:tav>
-                                      </p:tavLst>
-                                    </p:anim>
-                                  </p:childTnLst>
-                                </p:cTn>
-                              </p:par>
-                              <p:par>
-                                <p:cTn id="45" presetID="42" presetClass="entr" presetSubtype="0" fill="hold" grpId="0" nodeType="withEffect">
-                                  <p:stCondLst>
-                                    <p:cond delay="0"/>
-                                  </p:stCondLst>
-                                  <p:childTnLst>
-                                    <p:set>
-                                      <p:cBhvr>
-                                        <p:cTn id="46" dur="1" fill="hold">
-                                          <p:stCondLst>
-                                            <p:cond delay="0"/>
-                                          </p:stCondLst>
-                                        </p:cTn>
-                                        <p:tgtEl>
-                                          <p:spTgt spid="20"/>
-                                        </p:tgtEl>
-                                        <p:attrNameLst>
-                                          <p:attrName>style.visibility</p:attrName>
-                                        </p:attrNameLst>
-                                      </p:cBhvr>
-                                      <p:to>
-                                        <p:strVal val="visible"/>
-                                      </p:to>
-                                    </p:set>
-                                    <p:animEffect transition="in" filter="fade">
-                                      <p:cBhvr>
-                                        <p:cTn id="47" dur="1000"/>
-                                        <p:tgtEl>
-                                          <p:spTgt spid="20"/>
-                                        </p:tgtEl>
-                                      </p:cBhvr>
-                                    </p:animEffect>
-                                    <p:anim calcmode="lin" valueType="num">
-                                      <p:cBhvr>
-                                        <p:cTn id="48" dur="1000" fill="hold"/>
-                                        <p:tgtEl>
-                                          <p:spTgt spid="20"/>
-                                        </p:tgtEl>
-                                        <p:attrNameLst>
-                                          <p:attrName>ppt_x</p:attrName>
-                                        </p:attrNameLst>
-                                      </p:cBhvr>
-                                      <p:tavLst>
-                                        <p:tav tm="0">
-                                          <p:val>
-                                            <p:strVal val="#ppt_x"/>
-                                          </p:val>
-                                        </p:tav>
-                                        <p:tav tm="100000">
-                                          <p:val>
-                                            <p:strVal val="#ppt_x"/>
-                                          </p:val>
-                                        </p:tav>
-                                      </p:tavLst>
-                                    </p:anim>
-                                    <p:anim calcmode="lin" valueType="num">
-                                      <p:cBhvr>
-                                        <p:cTn id="49" dur="1000" fill="hold"/>
-                                        <p:tgtEl>
-                                          <p:spTgt spid="20"/>
-                                        </p:tgtEl>
-                                        <p:attrNameLst>
-                                          <p:attrName>ppt_y</p:attrName>
-                                        </p:attrNameLst>
-                                      </p:cBhvr>
-                                      <p:tavLst>
-                                        <p:tav tm="0">
-                                          <p:val>
-                                            <p:strVal val="#ppt_y+.1"/>
-                                          </p:val>
-                                        </p:tav>
-                                        <p:tav tm="100000">
-                                          <p:val>
-                                            <p:strVal val="#ppt_y"/>
-                                          </p:val>
-                                        </p:tav>
-                                      </p:tavLst>
-                                    </p:anim>
-                                  </p:childTnLst>
-                                </p:cTn>
-                              </p:par>
-                              <p:par>
-                                <p:cTn id="50" presetID="42" presetClass="entr" presetSubtype="0" fill="hold" grpId="0" nodeType="withEffect">
-                                  <p:stCondLst>
-                                    <p:cond delay="0"/>
-                                  </p:stCondLst>
-                                  <p:childTnLst>
-                                    <p:set>
-                                      <p:cBhvr>
-                                        <p:cTn id="51" dur="1" fill="hold">
-                                          <p:stCondLst>
-                                            <p:cond delay="0"/>
-                                          </p:stCondLst>
-                                        </p:cTn>
-                                        <p:tgtEl>
-                                          <p:spTgt spid="22"/>
-                                        </p:tgtEl>
-                                        <p:attrNameLst>
-                                          <p:attrName>style.visibility</p:attrName>
-                                        </p:attrNameLst>
-                                      </p:cBhvr>
-                                      <p:to>
-                                        <p:strVal val="visible"/>
-                                      </p:to>
-                                    </p:set>
-                                    <p:animEffect transition="in" filter="fade">
-                                      <p:cBhvr>
-                                        <p:cTn id="52" dur="1000"/>
-                                        <p:tgtEl>
-                                          <p:spTgt spid="22"/>
-                                        </p:tgtEl>
-                                      </p:cBhvr>
-                                    </p:animEffect>
-                                    <p:anim calcmode="lin" valueType="num">
-                                      <p:cBhvr>
-                                        <p:cTn id="53" dur="1000" fill="hold"/>
-                                        <p:tgtEl>
-                                          <p:spTgt spid="22"/>
-                                        </p:tgtEl>
-                                        <p:attrNameLst>
-                                          <p:attrName>ppt_x</p:attrName>
-                                        </p:attrNameLst>
-                                      </p:cBhvr>
-                                      <p:tavLst>
-                                        <p:tav tm="0">
-                                          <p:val>
-                                            <p:strVal val="#ppt_x"/>
-                                          </p:val>
-                                        </p:tav>
-                                        <p:tav tm="100000">
-                                          <p:val>
-                                            <p:strVal val="#ppt_x"/>
-                                          </p:val>
-                                        </p:tav>
-                                      </p:tavLst>
-                                    </p:anim>
-                                    <p:anim calcmode="lin" valueType="num">
-                                      <p:cBhvr>
-                                        <p:cTn id="54" dur="1000" fill="hold"/>
-                                        <p:tgtEl>
-                                          <p:spTgt spid="22"/>
-                                        </p:tgtEl>
-                                        <p:attrNameLst>
-                                          <p:attrName>ppt_y</p:attrName>
-                                        </p:attrNameLst>
-                                      </p:cBhvr>
-                                      <p:tavLst>
-                                        <p:tav tm="0">
-                                          <p:val>
-                                            <p:strVal val="#ppt_y+.1"/>
-                                          </p:val>
-                                        </p:tav>
-                                        <p:tav tm="100000">
-                                          <p:val>
-                                            <p:strVal val="#ppt_y"/>
-                                          </p:val>
-                                        </p:tav>
-                                      </p:tavLst>
-                                    </p:anim>
-                                  </p:childTnLst>
-                                </p:cTn>
-                              </p:par>
-                            </p:childTnLst>
-                          </p:cTn>
-                        </p:par>
-                      </p:childTnLst>
-                    </p:cTn>
-                  </p:par>
-                </p:childTnLst>
-              </p:cTn>
-              <p:prevCondLst>
-                <p:cond evt="onPrev" delay="0">
-                  <p:tgtEl>
-                    <p:sldTgt/>
-                  </p:tgtEl>
-                </p:cond>
-              </p:prevCondLst>
-              <p:nextCondLst>
-                <p:cond evt="onNext" delay="0">
-                  <p:tgtEl>
-                    <p:sldTgt/>
-                  </p:tgtEl>
-                </p:cond>
-              </p:nextCondLst>
-            </p:seq>
-          </p:childTnLst>
-        </p:cTn>
+        <p:cTn id="1" dur="indefinite" restart="never" nodeType="tmRoot"/>
       </p:par>
     </p:tnLst>
-    <p:bldLst>
-      <p:bldP spid="15" grpId="0"/>
-      <p:bldP spid="16" grpId="0"/>
-      <p:bldP spid="17" grpId="0"/>
-      <p:bldP spid="20" grpId="0"/>
-      <p:bldP spid="22" grpId="0"/>
-    </p:bldLst>
   </p:timing>
 </p:sld>
 </file>
@@ -9042,78 +8131,14 @@
       </p:sp>
       <p:sp>
         <p:nvSpPr>
-          <p:cNvPr id="3" name="Arc plein 35"/>
-          <p:cNvSpPr/>
-          <p:nvPr/>
-        </p:nvSpPr>
-        <p:spPr>
-          <a:xfrm>
-            <a:off x="-4373059" y="353518"/>
-            <a:ext cx="6248611" cy="6793104"/>
-          </a:xfrm>
-          <a:prstGeom prst="blockArc">
-            <a:avLst>
-              <a:gd name="adj1" fmla="val 17562655"/>
-              <a:gd name="adj2" fmla="val 4024189"/>
-              <a:gd name="adj3" fmla="val 0"/>
-            </a:avLst>
-          </a:prstGeom>
-          <a:solidFill>
-            <a:srgbClr val="920092"/>
-          </a:solidFill>
-          <a:ln w="38100">
-            <a:solidFill>
-              <a:srgbClr val="0087AF"/>
-            </a:solidFill>
-          </a:ln>
-        </p:spPr>
-        <p:style>
-          <a:lnRef idx="2">
-            <a:schemeClr val="accent2">
-              <a:hueOff val="0"/>
-              <a:satOff val="0"/>
-              <a:lumOff val="0"/>
-              <a:alphaOff val="0"/>
-            </a:schemeClr>
-          </a:lnRef>
-          <a:fillRef idx="0">
-            <a:schemeClr val="accent3">
-              <a:tint val="90000"/>
-              <a:hueOff val="0"/>
-              <a:satOff val="0"/>
-              <a:lumOff val="0"/>
-              <a:alphaOff val="0"/>
-            </a:schemeClr>
-          </a:fillRef>
-          <a:effectRef idx="0">
-            <a:schemeClr val="accent3">
-              <a:tint val="90000"/>
-              <a:hueOff val="0"/>
-              <a:satOff val="0"/>
-              <a:lumOff val="0"/>
-              <a:alphaOff val="0"/>
-            </a:schemeClr>
-          </a:effectRef>
-          <a:fontRef idx="minor">
-            <a:schemeClr val="tx1">
-              <a:hueOff val="0"/>
-              <a:satOff val="0"/>
-              <a:lumOff val="0"/>
-              <a:alphaOff val="0"/>
-            </a:schemeClr>
-          </a:fontRef>
-        </p:style>
-      </p:sp>
-      <p:sp>
-        <p:nvSpPr>
           <p:cNvPr id="4" name="Rectangle 3"/>
           <p:cNvSpPr/>
           <p:nvPr/>
         </p:nvSpPr>
         <p:spPr>
           <a:xfrm>
-            <a:off x="1209822" y="1546626"/>
-            <a:ext cx="7548258" cy="497289"/>
+            <a:off x="1209822" y="561703"/>
+            <a:ext cx="7548258" cy="2075245"/>
           </a:xfrm>
           <a:prstGeom prst="rect">
             <a:avLst/>
@@ -9165,7 +8190,7 @@
               <a:defRPr/>
             </a:pPr>
             <a:r>
-              <a:rPr kumimoji="0" lang="fr-FR" sz="2300" b="0" i="0" u="none" strike="noStrike" kern="1200" cap="none" spc="0" normalizeH="0" baseline="0" noProof="0" dirty="0">
+              <a:rPr kumimoji="0" lang="fr-FR" sz="3000" i="0" u="none" strike="noStrike" kern="1200" cap="none" spc="0" normalizeH="0" baseline="0" noProof="0" dirty="0" smtClean="0">
                 <a:ln>
                   <a:noFill/>
                 </a:ln>
@@ -9176,12 +8201,208 @@
                 <a:uLnTx/>
                 <a:uFillTx/>
                 <a:latin typeface="Arial" panose="020B0604020202020204" pitchFamily="34" charset="0"/>
-                <a:ea typeface="+mn-ea"/>
                 <a:cs typeface="Arial" panose="020B0604020202020204" pitchFamily="34" charset="0"/>
               </a:rPr>
               <a:t>Introduction &amp; Présentation générale</a:t>
             </a:r>
-            <a:endParaRPr kumimoji="0" lang="fr-FR" sz="2200" b="0" i="0" u="none" strike="noStrike" kern="1200" cap="none" spc="0" normalizeH="0" baseline="0" noProof="0" dirty="0">
+          </a:p>
+          <a:p>
+            <a:pPr marL="0" marR="0" lvl="0" indent="0" algn="l" defTabSz="1022350" rtl="0" eaLnBrk="1" fontAlgn="auto" latinLnBrk="0" hangingPunct="1">
+              <a:lnSpc>
+                <a:spcPct val="90000"/>
+              </a:lnSpc>
+              <a:spcBef>
+                <a:spcPct val="0"/>
+              </a:spcBef>
+              <a:spcAft>
+                <a:spcPct val="35000"/>
+              </a:spcAft>
+              <a:buClrTx/>
+              <a:buSzTx/>
+              <a:buFontTx/>
+              <a:buNone/>
+              <a:tabLst/>
+              <a:defRPr/>
+            </a:pPr>
+            <a:r>
+              <a:rPr lang="fr-FR" sz="3000" noProof="0" dirty="0" err="1" smtClean="0">
+                <a:solidFill>
+                  <a:prstClr val="white"/>
+                </a:solidFill>
+                <a:latin typeface="Arial" panose="020B0604020202020204" pitchFamily="34" charset="0"/>
+                <a:cs typeface="Arial" panose="020B0604020202020204" pitchFamily="34" charset="0"/>
+              </a:rPr>
+              <a:t>SQLite</a:t>
+            </a:r>
+            <a:r>
+              <a:rPr lang="fr-FR" sz="3000" noProof="0" dirty="0" smtClean="0">
+                <a:solidFill>
+                  <a:prstClr val="white"/>
+                </a:solidFill>
+                <a:latin typeface="Arial" panose="020B0604020202020204" pitchFamily="34" charset="0"/>
+                <a:cs typeface="Arial" panose="020B0604020202020204" pitchFamily="34" charset="0"/>
+              </a:rPr>
+              <a:t> introduction</a:t>
+            </a:r>
+          </a:p>
+          <a:p>
+            <a:r>
+              <a:rPr lang="fr-FR" sz="3000" dirty="0" err="1" smtClean="0">
+                <a:solidFill>
+                  <a:prstClr val="white"/>
+                </a:solidFill>
+                <a:latin typeface="Arial" panose="020B0604020202020204" pitchFamily="34" charset="0"/>
+                <a:ea typeface="Segoe UI" pitchFamily="34" charset="0"/>
+                <a:cs typeface="Arial" panose="020B0604020202020204" pitchFamily="34" charset="0"/>
+              </a:rPr>
+              <a:t>Advantages</a:t>
+            </a:r>
+            <a:r>
+              <a:rPr lang="fr-FR" sz="3000" dirty="0" smtClean="0">
+                <a:solidFill>
+                  <a:prstClr val="white"/>
+                </a:solidFill>
+                <a:latin typeface="Arial" panose="020B0604020202020204" pitchFamily="34" charset="0"/>
+                <a:ea typeface="Segoe UI" pitchFamily="34" charset="0"/>
+                <a:cs typeface="Arial" panose="020B0604020202020204" pitchFamily="34" charset="0"/>
+              </a:rPr>
+              <a:t> and </a:t>
+            </a:r>
+            <a:r>
+              <a:rPr lang="fr-FR" sz="3000" dirty="0" err="1" smtClean="0">
+                <a:solidFill>
+                  <a:prstClr val="white"/>
+                </a:solidFill>
+                <a:latin typeface="Arial" panose="020B0604020202020204" pitchFamily="34" charset="0"/>
+                <a:ea typeface="Segoe UI" pitchFamily="34" charset="0"/>
+                <a:cs typeface="Arial" panose="020B0604020202020204" pitchFamily="34" charset="0"/>
+              </a:rPr>
+              <a:t>disadvantages</a:t>
+            </a:r>
+            <a:endParaRPr lang="fr-FR" sz="3000" dirty="0" smtClean="0">
+              <a:solidFill>
+                <a:prstClr val="white"/>
+              </a:solidFill>
+              <a:latin typeface="Arial" panose="020B0604020202020204" pitchFamily="34" charset="0"/>
+              <a:ea typeface="Segoe UI" pitchFamily="34" charset="0"/>
+              <a:cs typeface="Arial" panose="020B0604020202020204" pitchFamily="34" charset="0"/>
+            </a:endParaRPr>
+          </a:p>
+          <a:p>
+            <a:r>
+              <a:rPr lang="fr-FR" sz="3000" dirty="0" err="1" smtClean="0">
+                <a:solidFill>
+                  <a:prstClr val="white"/>
+                </a:solidFill>
+                <a:latin typeface="Arial" panose="020B0604020202020204" pitchFamily="34" charset="0"/>
+                <a:ea typeface="Segoe UI" pitchFamily="34" charset="0"/>
+                <a:cs typeface="Arial" panose="020B0604020202020204" pitchFamily="34" charset="0"/>
+              </a:rPr>
+              <a:t>Chosen</a:t>
+            </a:r>
+            <a:r>
+              <a:rPr lang="fr-FR" sz="3000" dirty="0" smtClean="0">
+                <a:solidFill>
+                  <a:prstClr val="white"/>
+                </a:solidFill>
+                <a:latin typeface="Arial" panose="020B0604020202020204" pitchFamily="34" charset="0"/>
+                <a:ea typeface="Segoe UI" pitchFamily="34" charset="0"/>
+                <a:cs typeface="Arial" panose="020B0604020202020204" pitchFamily="34" charset="0"/>
+              </a:rPr>
+              <a:t> </a:t>
+            </a:r>
+            <a:r>
+              <a:rPr lang="fr-FR" sz="3000" dirty="0" err="1" smtClean="0">
+                <a:solidFill>
+                  <a:prstClr val="white"/>
+                </a:solidFill>
+                <a:latin typeface="Arial" panose="020B0604020202020204" pitchFamily="34" charset="0"/>
+                <a:ea typeface="Segoe UI" pitchFamily="34" charset="0"/>
+                <a:cs typeface="Arial" panose="020B0604020202020204" pitchFamily="34" charset="0"/>
+              </a:rPr>
+              <a:t>tools</a:t>
+            </a:r>
+            <a:endParaRPr lang="fr-FR" sz="3000" dirty="0" smtClean="0">
+              <a:solidFill>
+                <a:prstClr val="white"/>
+              </a:solidFill>
+              <a:latin typeface="Arial" panose="020B0604020202020204" pitchFamily="34" charset="0"/>
+              <a:ea typeface="Segoe UI" pitchFamily="34" charset="0"/>
+              <a:cs typeface="Arial" panose="020B0604020202020204" pitchFamily="34" charset="0"/>
+            </a:endParaRPr>
+          </a:p>
+          <a:p>
+            <a:r>
+              <a:rPr lang="fr-FR" sz="3000" dirty="0" err="1">
+                <a:solidFill>
+                  <a:prstClr val="white"/>
+                </a:solidFill>
+                <a:latin typeface="Arial" panose="020B0604020202020204" pitchFamily="34" charset="0"/>
+                <a:ea typeface="Segoe UI" pitchFamily="34" charset="0"/>
+                <a:cs typeface="Arial" panose="020B0604020202020204" pitchFamily="34" charset="0"/>
+              </a:rPr>
+              <a:t>Languages</a:t>
+            </a:r>
+            <a:r>
+              <a:rPr lang="fr-FR" sz="3000" dirty="0">
+                <a:solidFill>
+                  <a:prstClr val="white"/>
+                </a:solidFill>
+                <a:latin typeface="Arial" panose="020B0604020202020204" pitchFamily="34" charset="0"/>
+                <a:ea typeface="Segoe UI" pitchFamily="34" charset="0"/>
+                <a:cs typeface="Arial" panose="020B0604020202020204" pitchFamily="34" charset="0"/>
+              </a:rPr>
+              <a:t> </a:t>
+            </a:r>
+            <a:r>
+              <a:rPr lang="fr-FR" sz="3000" dirty="0" smtClean="0">
+                <a:solidFill>
+                  <a:prstClr val="white"/>
+                </a:solidFill>
+                <a:latin typeface="Arial" panose="020B0604020202020204" pitchFamily="34" charset="0"/>
+                <a:ea typeface="Segoe UI" pitchFamily="34" charset="0"/>
+                <a:cs typeface="Arial" panose="020B0604020202020204" pitchFamily="34" charset="0"/>
+              </a:rPr>
+              <a:t>&amp; Interfaces</a:t>
+            </a:r>
+            <a:endParaRPr lang="fr-FR" sz="3000" dirty="0">
+              <a:solidFill>
+                <a:prstClr val="white"/>
+              </a:solidFill>
+              <a:latin typeface="Arial" panose="020B0604020202020204" pitchFamily="34" charset="0"/>
+              <a:ea typeface="Segoe UI" pitchFamily="34" charset="0"/>
+              <a:cs typeface="Arial" panose="020B0604020202020204" pitchFamily="34" charset="0"/>
+            </a:endParaRPr>
+          </a:p>
+          <a:p>
+            <a:endParaRPr lang="fr-FR" sz="3000" dirty="0" smtClean="0">
+              <a:solidFill>
+                <a:prstClr val="white"/>
+              </a:solidFill>
+              <a:latin typeface="Arial" panose="020B0604020202020204" pitchFamily="34" charset="0"/>
+              <a:ea typeface="Segoe UI" pitchFamily="34" charset="0"/>
+              <a:cs typeface="Arial" panose="020B0604020202020204" pitchFamily="34" charset="0"/>
+            </a:endParaRPr>
+          </a:p>
+          <a:p>
+            <a:pPr marL="0" marR="0" lvl="0" indent="0" algn="l" defTabSz="1022350" rtl="0" eaLnBrk="1" fontAlgn="auto" latinLnBrk="0" hangingPunct="1">
+              <a:lnSpc>
+                <a:spcPct val="90000"/>
+              </a:lnSpc>
+              <a:spcBef>
+                <a:spcPct val="0"/>
+              </a:spcBef>
+              <a:spcAft>
+                <a:spcPct val="35000"/>
+              </a:spcAft>
+              <a:buClrTx/>
+              <a:buSzTx/>
+              <a:buFontTx/>
+              <a:buNone/>
+              <a:tabLst/>
+              <a:defRPr/>
+            </a:pPr>
+            <a:endParaRPr kumimoji="0" lang="fr-FR" sz="3000" i="0" u="none" strike="noStrike" kern="1200" cap="none" spc="0" normalizeH="0" baseline="0" noProof="0" dirty="0">
               <a:ln>
                 <a:noFill/>
               </a:ln>
@@ -9192,7 +8413,6 @@
               <a:uLnTx/>
               <a:uFillTx/>
               <a:latin typeface="Arial" panose="020B0604020202020204" pitchFamily="34" charset="0"/>
-              <a:ea typeface="+mn-ea"/>
               <a:cs typeface="Arial" panose="020B0604020202020204" pitchFamily="34" charset="0"/>
             </a:endParaRPr>
           </a:p>
@@ -9511,414 +8731,6 @@
           </p:txBody>
         </p:sp>
       </p:grpSp>
-      <p:grpSp>
-        <p:nvGrpSpPr>
-          <p:cNvPr id="14" name="Groupe 47"/>
-          <p:cNvGrpSpPr/>
-          <p:nvPr/>
-        </p:nvGrpSpPr>
-        <p:grpSpPr>
-          <a:xfrm>
-            <a:off x="1812506" y="4871748"/>
-            <a:ext cx="8179818" cy="458632"/>
-            <a:chOff x="1349390" y="5936478"/>
-            <a:chExt cx="6002463" cy="471522"/>
-          </a:xfrm>
-          <a:solidFill>
-            <a:srgbClr val="E2B700"/>
-          </a:solidFill>
-        </p:grpSpPr>
-        <p:sp>
-          <p:nvSpPr>
-            <p:cNvPr id="15" name="Rectangle 14"/>
-            <p:cNvSpPr/>
-            <p:nvPr/>
-          </p:nvSpPr>
-          <p:spPr>
-            <a:xfrm>
-              <a:off x="1349390" y="5936478"/>
-              <a:ext cx="6002463" cy="471522"/>
-            </a:xfrm>
-            <a:prstGeom prst="rect">
-              <a:avLst/>
-            </a:prstGeom>
-            <a:grpFill/>
-            <a:ln>
-              <a:solidFill>
-                <a:srgbClr val="E2B700"/>
-              </a:solidFill>
-            </a:ln>
-          </p:spPr>
-          <p:style>
-            <a:lnRef idx="2">
-              <a:schemeClr val="lt1">
-                <a:hueOff val="0"/>
-                <a:satOff val="0"/>
-                <a:lumOff val="0"/>
-                <a:alphaOff val="0"/>
-              </a:schemeClr>
-            </a:lnRef>
-            <a:fillRef idx="1">
-              <a:schemeClr val="accent2">
-                <a:hueOff val="0"/>
-                <a:satOff val="0"/>
-                <a:lumOff val="0"/>
-                <a:alphaOff val="0"/>
-              </a:schemeClr>
-            </a:fillRef>
-            <a:effectRef idx="0">
-              <a:schemeClr val="accent2">
-                <a:hueOff val="0"/>
-                <a:satOff val="0"/>
-                <a:lumOff val="0"/>
-                <a:alphaOff val="0"/>
-              </a:schemeClr>
-            </a:effectRef>
-            <a:fontRef idx="minor">
-              <a:schemeClr val="lt1"/>
-            </a:fontRef>
-          </p:style>
-        </p:sp>
-        <p:sp>
-          <p:nvSpPr>
-            <p:cNvPr id="16" name="Rectangle 15"/>
-            <p:cNvSpPr/>
-            <p:nvPr/>
-          </p:nvSpPr>
-          <p:spPr>
-            <a:xfrm>
-              <a:off x="1349390" y="5936478"/>
-              <a:ext cx="6002463" cy="471522"/>
-            </a:xfrm>
-            <a:prstGeom prst="rect">
-              <a:avLst/>
-            </a:prstGeom>
-            <a:grpFill/>
-            <a:ln>
-              <a:solidFill>
-                <a:srgbClr val="E2B700"/>
-              </a:solidFill>
-            </a:ln>
-          </p:spPr>
-          <p:style>
-            <a:lnRef idx="0">
-              <a:scrgbClr r="0" g="0" b="0"/>
-            </a:lnRef>
-            <a:fillRef idx="0">
-              <a:scrgbClr r="0" g="0" b="0"/>
-            </a:fillRef>
-            <a:effectRef idx="0">
-              <a:scrgbClr r="0" g="0" b="0"/>
-            </a:effectRef>
-            <a:fontRef idx="minor">
-              <a:schemeClr val="lt1"/>
-            </a:fontRef>
-          </p:style>
-          <p:txBody>
-            <a:bodyPr spcFirstLastPara="0" vert="horz" wrap="square" lIns="374271" tIns="58420" rIns="58420" bIns="58420" numCol="1" spcCol="1270" anchor="ctr" anchorCtr="0">
-              <a:noAutofit/>
-            </a:bodyPr>
-            <a:lstStyle/>
-            <a:p>
-              <a:pPr marL="0" marR="0" lvl="0" indent="0" algn="l" defTabSz="1022350" rtl="0" eaLnBrk="1" fontAlgn="auto" latinLnBrk="0" hangingPunct="1">
-                <a:lnSpc>
-                  <a:spcPct val="90000"/>
-                </a:lnSpc>
-                <a:spcBef>
-                  <a:spcPct val="0"/>
-                </a:spcBef>
-                <a:spcAft>
-                  <a:spcPct val="35000"/>
-                </a:spcAft>
-                <a:buClrTx/>
-                <a:buSzTx/>
-                <a:buFontTx/>
-                <a:buNone/>
-                <a:tabLst/>
-                <a:defRPr/>
-              </a:pPr>
-              <a:r>
-                <a:rPr kumimoji="0" lang="fr-FR" sz="2200" b="0" i="0" u="none" strike="noStrike" kern="1200" cap="none" spc="0" normalizeH="0" baseline="0" noProof="0" dirty="0">
-                  <a:ln>
-                    <a:noFill/>
-                  </a:ln>
-                  <a:solidFill>
-                    <a:prstClr val="white"/>
-                  </a:solidFill>
-                  <a:effectLst/>
-                  <a:uLnTx/>
-                  <a:uFillTx/>
-                  <a:latin typeface="Arial" panose="020B0604020202020204" pitchFamily="34" charset="0"/>
-                  <a:ea typeface="+mn-ea"/>
-                  <a:cs typeface="Arial" panose="020B0604020202020204" pitchFamily="34" charset="0"/>
-                </a:rPr>
-                <a:t>Avantage &amp; inconvénients </a:t>
-              </a:r>
-            </a:p>
-          </p:txBody>
-        </p:sp>
-      </p:grpSp>
-      <p:sp>
-        <p:nvSpPr>
-          <p:cNvPr id="17" name="Ellipse 39"/>
-          <p:cNvSpPr/>
-          <p:nvPr/>
-        </p:nvSpPr>
-        <p:spPr>
-          <a:xfrm>
-            <a:off x="994540" y="1473439"/>
-            <a:ext cx="580644" cy="573290"/>
-          </a:xfrm>
-          <a:prstGeom prst="ellipse">
-            <a:avLst/>
-          </a:prstGeom>
-          <a:solidFill>
-            <a:schemeClr val="bg1"/>
-          </a:solidFill>
-          <a:ln>
-            <a:solidFill>
-              <a:srgbClr val="0087AF"/>
-            </a:solidFill>
-          </a:ln>
-        </p:spPr>
-        <p:style>
-          <a:lnRef idx="2">
-            <a:schemeClr val="accent2">
-              <a:hueOff val="0"/>
-              <a:satOff val="0"/>
-              <a:lumOff val="0"/>
-              <a:alphaOff val="0"/>
-            </a:schemeClr>
-          </a:lnRef>
-          <a:fillRef idx="1">
-            <a:schemeClr val="lt1">
-              <a:hueOff val="0"/>
-              <a:satOff val="0"/>
-              <a:lumOff val="0"/>
-              <a:alphaOff val="0"/>
-            </a:schemeClr>
-          </a:fillRef>
-          <a:effectRef idx="0">
-            <a:schemeClr val="lt1">
-              <a:hueOff val="0"/>
-              <a:satOff val="0"/>
-              <a:lumOff val="0"/>
-              <a:alphaOff val="0"/>
-            </a:schemeClr>
-          </a:effectRef>
-          <a:fontRef idx="minor">
-            <a:schemeClr val="dk1">
-              <a:hueOff val="0"/>
-              <a:satOff val="0"/>
-              <a:lumOff val="0"/>
-              <a:alphaOff val="0"/>
-            </a:schemeClr>
-          </a:fontRef>
-        </p:style>
-      </p:sp>
-      <p:sp>
-        <p:nvSpPr>
-          <p:cNvPr id="18" name="Ellipse 41"/>
-          <p:cNvSpPr/>
-          <p:nvPr/>
-        </p:nvSpPr>
-        <p:spPr>
-          <a:xfrm>
-            <a:off x="1561422" y="2799024"/>
-            <a:ext cx="580644" cy="573290"/>
-          </a:xfrm>
-          <a:prstGeom prst="ellipse">
-            <a:avLst/>
-          </a:prstGeom>
-          <a:solidFill>
-            <a:schemeClr val="bg1"/>
-          </a:solidFill>
-          <a:ln>
-            <a:solidFill>
-              <a:srgbClr val="0087AF"/>
-            </a:solidFill>
-          </a:ln>
-        </p:spPr>
-        <p:style>
-          <a:lnRef idx="2">
-            <a:schemeClr val="accent4">
-              <a:hueOff val="0"/>
-              <a:satOff val="0"/>
-              <a:lumOff val="0"/>
-              <a:alphaOff val="0"/>
-            </a:schemeClr>
-          </a:lnRef>
-          <a:fillRef idx="1">
-            <a:schemeClr val="lt1">
-              <a:hueOff val="0"/>
-              <a:satOff val="0"/>
-              <a:lumOff val="0"/>
-              <a:alphaOff val="0"/>
-            </a:schemeClr>
-          </a:fillRef>
-          <a:effectRef idx="0">
-            <a:schemeClr val="lt1">
-              <a:hueOff val="0"/>
-              <a:satOff val="0"/>
-              <a:lumOff val="0"/>
-              <a:alphaOff val="0"/>
-            </a:schemeClr>
-          </a:effectRef>
-          <a:fontRef idx="minor">
-            <a:schemeClr val="dk1">
-              <a:hueOff val="0"/>
-              <a:satOff val="0"/>
-              <a:lumOff val="0"/>
-              <a:alphaOff val="0"/>
-            </a:schemeClr>
-          </a:fontRef>
-        </p:style>
-      </p:sp>
-      <p:sp>
-        <p:nvSpPr>
-          <p:cNvPr id="19" name="Ellipse 42"/>
-          <p:cNvSpPr/>
-          <p:nvPr/>
-        </p:nvSpPr>
-        <p:spPr>
-          <a:xfrm>
-            <a:off x="1271100" y="4814419"/>
-            <a:ext cx="580644" cy="573290"/>
-          </a:xfrm>
-          <a:prstGeom prst="ellipse">
-            <a:avLst/>
-          </a:prstGeom>
-          <a:ln>
-            <a:solidFill>
-              <a:srgbClr val="0087AF"/>
-            </a:solidFill>
-          </a:ln>
-        </p:spPr>
-        <p:style>
-          <a:lnRef idx="2">
-            <a:schemeClr val="accent2">
-              <a:hueOff val="0"/>
-              <a:satOff val="0"/>
-              <a:lumOff val="0"/>
-              <a:alphaOff val="0"/>
-            </a:schemeClr>
-          </a:lnRef>
-          <a:fillRef idx="1">
-            <a:schemeClr val="lt1">
-              <a:hueOff val="0"/>
-              <a:satOff val="0"/>
-              <a:lumOff val="0"/>
-              <a:alphaOff val="0"/>
-            </a:schemeClr>
-          </a:fillRef>
-          <a:effectRef idx="0">
-            <a:schemeClr val="lt1">
-              <a:hueOff val="0"/>
-              <a:satOff val="0"/>
-              <a:lumOff val="0"/>
-              <a:alphaOff val="0"/>
-            </a:schemeClr>
-          </a:effectRef>
-          <a:fontRef idx="minor">
-            <a:schemeClr val="dk1">
-              <a:hueOff val="0"/>
-              <a:satOff val="0"/>
-              <a:lumOff val="0"/>
-              <a:alphaOff val="0"/>
-            </a:schemeClr>
-          </a:fontRef>
-        </p:style>
-      </p:sp>
-      <p:sp>
-        <p:nvSpPr>
-          <p:cNvPr id="21" name="Ellipse 46"/>
-          <p:cNvSpPr/>
-          <p:nvPr/>
-        </p:nvSpPr>
-        <p:spPr>
-          <a:xfrm>
-            <a:off x="1503192" y="4085198"/>
-            <a:ext cx="580644" cy="573290"/>
-          </a:xfrm>
-          <a:prstGeom prst="ellipse">
-            <a:avLst/>
-          </a:prstGeom>
-          <a:ln>
-            <a:solidFill>
-              <a:srgbClr val="0087AF"/>
-            </a:solidFill>
-          </a:ln>
-        </p:spPr>
-        <p:style>
-          <a:lnRef idx="2">
-            <a:schemeClr val="accent3">
-              <a:hueOff val="0"/>
-              <a:satOff val="0"/>
-              <a:lumOff val="0"/>
-              <a:alphaOff val="0"/>
-            </a:schemeClr>
-          </a:lnRef>
-          <a:fillRef idx="1">
-            <a:schemeClr val="lt1">
-              <a:hueOff val="0"/>
-              <a:satOff val="0"/>
-              <a:lumOff val="0"/>
-              <a:alphaOff val="0"/>
-            </a:schemeClr>
-          </a:fillRef>
-          <a:effectRef idx="0">
-            <a:schemeClr val="lt1">
-              <a:hueOff val="0"/>
-              <a:satOff val="0"/>
-              <a:lumOff val="0"/>
-              <a:alphaOff val="0"/>
-            </a:schemeClr>
-          </a:effectRef>
-          <a:fontRef idx="minor">
-            <a:schemeClr val="dk1">
-              <a:hueOff val="0"/>
-              <a:satOff val="0"/>
-              <a:lumOff val="0"/>
-              <a:alphaOff val="0"/>
-            </a:schemeClr>
-          </a:fontRef>
-        </p:style>
-      </p:sp>
-      <p:cxnSp>
-        <p:nvCxnSpPr>
-          <p:cNvPr id="22" name="Connecteur droit 59"/>
-          <p:cNvCxnSpPr/>
-          <p:nvPr/>
-        </p:nvCxnSpPr>
-        <p:spPr>
-          <a:xfrm>
-            <a:off x="419545" y="769574"/>
-            <a:ext cx="7738652" cy="2163"/>
-          </a:xfrm>
-          <a:prstGeom prst="line">
-            <a:avLst/>
-          </a:prstGeom>
-          <a:ln w="57150">
-            <a:solidFill>
-              <a:srgbClr val="0087AF"/>
-            </a:solidFill>
-          </a:ln>
-        </p:spPr>
-        <p:style>
-          <a:lnRef idx="1">
-            <a:schemeClr val="dk1"/>
-          </a:lnRef>
-          <a:fillRef idx="0">
-            <a:schemeClr val="dk1"/>
-          </a:fillRef>
-          <a:effectRef idx="0">
-            <a:schemeClr val="dk1"/>
-          </a:effectRef>
-          <a:fontRef idx="minor">
-            <a:schemeClr val="tx1"/>
-          </a:fontRef>
-        </p:style>
-      </p:cxnSp>
       <p:sp>
         <p:nvSpPr>
           <p:cNvPr id="23" name="Titre 1"/>
@@ -9929,8 +8741,8 @@
         </p:nvSpPr>
         <p:spPr>
           <a:xfrm>
-            <a:off x="534620" y="38398"/>
-            <a:ext cx="10515600" cy="810950"/>
+            <a:off x="0" y="38398"/>
+            <a:ext cx="12192000" cy="810950"/>
           </a:xfrm>
           <a:prstGeom prst="rect">
             <a:avLst/>
@@ -9960,7 +8772,7 @@
             </a:lvl1pPr>
           </a:lstStyle>
           <a:p>
-            <a:pPr marL="0" marR="0" lvl="0" indent="0" algn="l" defTabSz="914400" rtl="0" eaLnBrk="1" fontAlgn="auto" latinLnBrk="0" hangingPunct="1">
+            <a:pPr marL="0" marR="0" lvl="0" indent="0" algn="ctr" defTabSz="914400" rtl="0" eaLnBrk="1" fontAlgn="auto" latinLnBrk="0" hangingPunct="1">
               <a:lnSpc>
                 <a:spcPct val="90000"/>
               </a:lnSpc>
@@ -10014,7 +8826,7 @@
         </p:nvSpPr>
         <p:spPr>
           <a:xfrm>
-            <a:off x="1735749" y="2188611"/>
+            <a:off x="4732528" y="6027722"/>
             <a:ext cx="8055365" cy="497289"/>
           </a:xfrm>
           <a:prstGeom prst="rect">
@@ -10098,64 +8910,6 @@
             </a:r>
           </a:p>
         </p:txBody>
-      </p:sp>
-      <p:sp>
-        <p:nvSpPr>
-          <p:cNvPr id="26" name="Ellipse 56"/>
-          <p:cNvSpPr/>
-          <p:nvPr/>
-        </p:nvSpPr>
-        <p:spPr>
-          <a:xfrm>
-            <a:off x="1381448" y="2157039"/>
-            <a:ext cx="580644" cy="573290"/>
-          </a:xfrm>
-          <a:prstGeom prst="ellipse">
-            <a:avLst/>
-          </a:prstGeom>
-          <a:solidFill>
-            <a:schemeClr val="bg1"/>
-          </a:solidFill>
-          <a:ln>
-            <a:solidFill>
-              <a:srgbClr val="0087AF"/>
-            </a:solidFill>
-          </a:ln>
-        </p:spPr>
-        <p:style>
-          <a:lnRef idx="2">
-            <a:schemeClr val="accent2">
-              <a:hueOff val="0"/>
-              <a:satOff val="0"/>
-              <a:lumOff val="0"/>
-              <a:alphaOff val="0"/>
-            </a:schemeClr>
-          </a:lnRef>
-          <a:fillRef idx="1">
-            <a:schemeClr val="lt1">
-              <a:hueOff val="0"/>
-              <a:satOff val="0"/>
-              <a:lumOff val="0"/>
-              <a:alphaOff val="0"/>
-            </a:schemeClr>
-          </a:fillRef>
-          <a:effectRef idx="0">
-            <a:schemeClr val="lt1">
-              <a:hueOff val="0"/>
-              <a:satOff val="0"/>
-              <a:lumOff val="0"/>
-              <a:alphaOff val="0"/>
-            </a:schemeClr>
-          </a:effectRef>
-          <a:fontRef idx="minor">
-            <a:schemeClr val="dk1">
-              <a:hueOff val="0"/>
-              <a:satOff val="0"/>
-              <a:lumOff val="0"/>
-              <a:alphaOff val="0"/>
-            </a:schemeClr>
-          </a:fontRef>
-        </p:style>
       </p:sp>
       <p:grpSp>
         <p:nvGrpSpPr>
@@ -10304,61 +9058,6 @@
           </p:txBody>
         </p:sp>
       </p:grpSp>
-      <p:sp>
-        <p:nvSpPr>
-          <p:cNvPr id="31" name="Ellipse 42"/>
-          <p:cNvSpPr/>
-          <p:nvPr/>
-        </p:nvSpPr>
-        <p:spPr>
-          <a:xfrm>
-            <a:off x="922548" y="5473061"/>
-            <a:ext cx="580644" cy="573290"/>
-          </a:xfrm>
-          <a:prstGeom prst="ellipse">
-            <a:avLst/>
-          </a:prstGeom>
-          <a:ln>
-            <a:solidFill>
-              <a:srgbClr val="0087AF"/>
-            </a:solidFill>
-          </a:ln>
-        </p:spPr>
-        <p:style>
-          <a:lnRef idx="2">
-            <a:schemeClr val="accent2">
-              <a:hueOff val="0"/>
-              <a:satOff val="0"/>
-              <a:lumOff val="0"/>
-              <a:alphaOff val="0"/>
-            </a:schemeClr>
-          </a:lnRef>
-          <a:fillRef idx="1">
-            <a:schemeClr val="lt1">
-              <a:hueOff val="0"/>
-              <a:satOff val="0"/>
-              <a:lumOff val="0"/>
-              <a:alphaOff val="0"/>
-            </a:schemeClr>
-          </a:fillRef>
-          <a:effectRef idx="0">
-            <a:schemeClr val="lt1">
-              <a:hueOff val="0"/>
-              <a:satOff val="0"/>
-              <a:lumOff val="0"/>
-              <a:alphaOff val="0"/>
-            </a:schemeClr>
-          </a:effectRef>
-          <a:fontRef idx="minor">
-            <a:schemeClr val="dk1">
-              <a:hueOff val="0"/>
-              <a:satOff val="0"/>
-              <a:lumOff val="0"/>
-              <a:alphaOff val="0"/>
-            </a:schemeClr>
-          </a:fontRef>
-        </p:style>
-      </p:sp>
       <p:grpSp>
         <p:nvGrpSpPr>
           <p:cNvPr id="32" name="Groupe 48"/>
@@ -10559,61 +9258,6 @@
           </p:txBody>
         </p:sp>
       </p:grpSp>
-      <p:sp>
-        <p:nvSpPr>
-          <p:cNvPr id="35" name="Ellipse 43"/>
-          <p:cNvSpPr/>
-          <p:nvPr/>
-        </p:nvSpPr>
-        <p:spPr>
-          <a:xfrm>
-            <a:off x="1610329" y="3437606"/>
-            <a:ext cx="580644" cy="573290"/>
-          </a:xfrm>
-          <a:prstGeom prst="ellipse">
-            <a:avLst/>
-          </a:prstGeom>
-          <a:ln>
-            <a:solidFill>
-              <a:srgbClr val="0087AF"/>
-            </a:solidFill>
-          </a:ln>
-        </p:spPr>
-        <p:style>
-          <a:lnRef idx="2">
-            <a:schemeClr val="accent5">
-              <a:hueOff val="0"/>
-              <a:satOff val="0"/>
-              <a:lumOff val="0"/>
-              <a:alphaOff val="0"/>
-            </a:schemeClr>
-          </a:lnRef>
-          <a:fillRef idx="1">
-            <a:schemeClr val="lt1">
-              <a:hueOff val="0"/>
-              <a:satOff val="0"/>
-              <a:lumOff val="0"/>
-              <a:alphaOff val="0"/>
-            </a:schemeClr>
-          </a:fillRef>
-          <a:effectRef idx="0">
-            <a:schemeClr val="lt1">
-              <a:hueOff val="0"/>
-              <a:satOff val="0"/>
-              <a:lumOff val="0"/>
-              <a:alphaOff val="0"/>
-            </a:schemeClr>
-          </a:effectRef>
-          <a:fontRef idx="minor">
-            <a:schemeClr val="dk1">
-              <a:hueOff val="0"/>
-              <a:satOff val="0"/>
-              <a:lumOff val="0"/>
-              <a:alphaOff val="0"/>
-            </a:schemeClr>
-          </a:fontRef>
-        </p:style>
-      </p:sp>
     </p:spTree>
     <p:extLst>
       <p:ext uri="{BB962C8B-B14F-4D97-AF65-F5344CB8AC3E}">
@@ -10630,407 +9274,9 @@
   <p:timing>
     <p:tnLst>
       <p:par>
-        <p:cTn id="1" dur="indefinite" restart="never" nodeType="tmRoot">
-          <p:childTnLst>
-            <p:seq concurrent="1" nextAc="seek">
-              <p:cTn id="2" dur="indefinite" nodeType="mainSeq">
-                <p:childTnLst>
-                  <p:par>
-                    <p:cTn id="3" fill="hold">
-                      <p:stCondLst>
-                        <p:cond delay="indefinite"/>
-                      </p:stCondLst>
-                      <p:childTnLst>
-                        <p:par>
-                          <p:cTn id="4" fill="hold">
-                            <p:stCondLst>
-                              <p:cond delay="0"/>
-                            </p:stCondLst>
-                            <p:childTnLst>
-                              <p:par>
-                                <p:cTn id="5" presetID="16" presetClass="entr" presetSubtype="21" fill="hold" grpId="0" nodeType="clickEffect">
-                                  <p:stCondLst>
-                                    <p:cond delay="0"/>
-                                  </p:stCondLst>
-                                  <p:childTnLst>
-                                    <p:set>
-                                      <p:cBhvr>
-                                        <p:cTn id="6" dur="1" fill="hold">
-                                          <p:stCondLst>
-                                            <p:cond delay="0"/>
-                                          </p:stCondLst>
-                                        </p:cTn>
-                                        <p:tgtEl>
-                                          <p:spTgt spid="4"/>
-                                        </p:tgtEl>
-                                        <p:attrNameLst>
-                                          <p:attrName>style.visibility</p:attrName>
-                                        </p:attrNameLst>
-                                      </p:cBhvr>
-                                      <p:to>
-                                        <p:strVal val="visible"/>
-                                      </p:to>
-                                    </p:set>
-                                    <p:animEffect transition="in" filter="barn(inVertical)">
-                                      <p:cBhvr>
-                                        <p:cTn id="7" dur="500"/>
-                                        <p:tgtEl>
-                                          <p:spTgt spid="4"/>
-                                        </p:tgtEl>
-                                      </p:cBhvr>
-                                    </p:animEffect>
-                                  </p:childTnLst>
-                                </p:cTn>
-                              </p:par>
-                            </p:childTnLst>
-                          </p:cTn>
-                        </p:par>
-                      </p:childTnLst>
-                    </p:cTn>
-                  </p:par>
-                  <p:par>
-                    <p:cTn id="8" fill="hold">
-                      <p:stCondLst>
-                        <p:cond delay="indefinite"/>
-                      </p:stCondLst>
-                      <p:childTnLst>
-                        <p:par>
-                          <p:cTn id="9" fill="hold">
-                            <p:stCondLst>
-                              <p:cond delay="0"/>
-                            </p:stCondLst>
-                            <p:childTnLst>
-                              <p:par>
-                                <p:cTn id="10" presetID="16" presetClass="entr" presetSubtype="21" fill="hold" grpId="0" nodeType="clickEffect">
-                                  <p:stCondLst>
-                                    <p:cond delay="0"/>
-                                  </p:stCondLst>
-                                  <p:childTnLst>
-                                    <p:set>
-                                      <p:cBhvr>
-                                        <p:cTn id="11" dur="1" fill="hold">
-                                          <p:stCondLst>
-                                            <p:cond delay="0"/>
-                                          </p:stCondLst>
-                                        </p:cTn>
-                                        <p:tgtEl>
-                                          <p:spTgt spid="25"/>
-                                        </p:tgtEl>
-                                        <p:attrNameLst>
-                                          <p:attrName>style.visibility</p:attrName>
-                                        </p:attrNameLst>
-                                      </p:cBhvr>
-                                      <p:to>
-                                        <p:strVal val="visible"/>
-                                      </p:to>
-                                    </p:set>
-                                    <p:animEffect transition="in" filter="barn(inVertical)">
-                                      <p:cBhvr>
-                                        <p:cTn id="12" dur="500"/>
-                                        <p:tgtEl>
-                                          <p:spTgt spid="25"/>
-                                        </p:tgtEl>
-                                      </p:cBhvr>
-                                    </p:animEffect>
-                                  </p:childTnLst>
-                                </p:cTn>
-                              </p:par>
-                            </p:childTnLst>
-                          </p:cTn>
-                        </p:par>
-                      </p:childTnLst>
-                    </p:cTn>
-                  </p:par>
-                  <p:par>
-                    <p:cTn id="13" fill="hold">
-                      <p:stCondLst>
-                        <p:cond delay="indefinite"/>
-                      </p:stCondLst>
-                      <p:childTnLst>
-                        <p:par>
-                          <p:cTn id="14" fill="hold">
-                            <p:stCondLst>
-                              <p:cond delay="0"/>
-                            </p:stCondLst>
-                            <p:childTnLst>
-                              <p:par>
-                                <p:cTn id="15" presetID="16" presetClass="entr" presetSubtype="21" fill="hold" nodeType="clickEffect">
-                                  <p:stCondLst>
-                                    <p:cond delay="0"/>
-                                  </p:stCondLst>
-                                  <p:childTnLst>
-                                    <p:set>
-                                      <p:cBhvr>
-                                        <p:cTn id="16" dur="1" fill="hold">
-                                          <p:stCondLst>
-                                            <p:cond delay="0"/>
-                                          </p:stCondLst>
-                                        </p:cTn>
-                                        <p:tgtEl>
-                                          <p:spTgt spid="5"/>
-                                        </p:tgtEl>
-                                        <p:attrNameLst>
-                                          <p:attrName>style.visibility</p:attrName>
-                                        </p:attrNameLst>
-                                      </p:cBhvr>
-                                      <p:to>
-                                        <p:strVal val="visible"/>
-                                      </p:to>
-                                    </p:set>
-                                    <p:animEffect transition="in" filter="barn(inVertical)">
-                                      <p:cBhvr>
-                                        <p:cTn id="17" dur="500"/>
-                                        <p:tgtEl>
-                                          <p:spTgt spid="5"/>
-                                        </p:tgtEl>
-                                      </p:cBhvr>
-                                    </p:animEffect>
-                                  </p:childTnLst>
-                                </p:cTn>
-                              </p:par>
-                            </p:childTnLst>
-                          </p:cTn>
-                        </p:par>
-                      </p:childTnLst>
-                    </p:cTn>
-                  </p:par>
-                  <p:par>
-                    <p:cTn id="18" fill="hold">
-                      <p:stCondLst>
-                        <p:cond delay="indefinite"/>
-                      </p:stCondLst>
-                      <p:childTnLst>
-                        <p:par>
-                          <p:cTn id="19" fill="hold">
-                            <p:stCondLst>
-                              <p:cond delay="0"/>
-                            </p:stCondLst>
-                            <p:childTnLst>
-                              <p:par>
-                                <p:cTn id="20" presetID="16" presetClass="entr" presetSubtype="21" fill="hold" nodeType="clickEffect">
-                                  <p:stCondLst>
-                                    <p:cond delay="0"/>
-                                  </p:stCondLst>
-                                  <p:childTnLst>
-                                    <p:set>
-                                      <p:cBhvr>
-                                        <p:cTn id="21" dur="1" fill="hold">
-                                          <p:stCondLst>
-                                            <p:cond delay="0"/>
-                                          </p:stCondLst>
-                                        </p:cTn>
-                                        <p:tgtEl>
-                                          <p:spTgt spid="32"/>
-                                        </p:tgtEl>
-                                        <p:attrNameLst>
-                                          <p:attrName>style.visibility</p:attrName>
-                                        </p:attrNameLst>
-                                      </p:cBhvr>
-                                      <p:to>
-                                        <p:strVal val="visible"/>
-                                      </p:to>
-                                    </p:set>
-                                    <p:animEffect transition="in" filter="barn(inVertical)">
-                                      <p:cBhvr>
-                                        <p:cTn id="22" dur="500"/>
-                                        <p:tgtEl>
-                                          <p:spTgt spid="32"/>
-                                        </p:tgtEl>
-                                      </p:cBhvr>
-                                    </p:animEffect>
-                                  </p:childTnLst>
-                                </p:cTn>
-                              </p:par>
-                            </p:childTnLst>
-                          </p:cTn>
-                        </p:par>
-                      </p:childTnLst>
-                    </p:cTn>
-                  </p:par>
-                  <p:par>
-                    <p:cTn id="23" fill="hold">
-                      <p:stCondLst>
-                        <p:cond delay="indefinite"/>
-                      </p:stCondLst>
-                      <p:childTnLst>
-                        <p:par>
-                          <p:cTn id="24" fill="hold">
-                            <p:stCondLst>
-                              <p:cond delay="0"/>
-                            </p:stCondLst>
-                            <p:childTnLst>
-                              <p:par>
-                                <p:cTn id="25" presetID="16" presetClass="entr" presetSubtype="21" fill="hold" nodeType="clickEffect">
-                                  <p:stCondLst>
-                                    <p:cond delay="0"/>
-                                  </p:stCondLst>
-                                  <p:childTnLst>
-                                    <p:set>
-                                      <p:cBhvr>
-                                        <p:cTn id="26" dur="1" fill="hold">
-                                          <p:stCondLst>
-                                            <p:cond delay="0"/>
-                                          </p:stCondLst>
-                                        </p:cTn>
-                                        <p:tgtEl>
-                                          <p:spTgt spid="8"/>
-                                        </p:tgtEl>
-                                        <p:attrNameLst>
-                                          <p:attrName>style.visibility</p:attrName>
-                                        </p:attrNameLst>
-                                      </p:cBhvr>
-                                      <p:to>
-                                        <p:strVal val="visible"/>
-                                      </p:to>
-                                    </p:set>
-                                    <p:animEffect transition="in" filter="barn(inVertical)">
-                                      <p:cBhvr>
-                                        <p:cTn id="27" dur="500"/>
-                                        <p:tgtEl>
-                                          <p:spTgt spid="8"/>
-                                        </p:tgtEl>
-                                      </p:cBhvr>
-                                    </p:animEffect>
-                                  </p:childTnLst>
-                                </p:cTn>
-                              </p:par>
-                            </p:childTnLst>
-                          </p:cTn>
-                        </p:par>
-                      </p:childTnLst>
-                    </p:cTn>
-                  </p:par>
-                  <p:par>
-                    <p:cTn id="28" fill="hold">
-                      <p:stCondLst>
-                        <p:cond delay="indefinite"/>
-                      </p:stCondLst>
-                      <p:childTnLst>
-                        <p:par>
-                          <p:cTn id="29" fill="hold">
-                            <p:stCondLst>
-                              <p:cond delay="0"/>
-                            </p:stCondLst>
-                            <p:childTnLst>
-                              <p:par>
-                                <p:cTn id="30" presetID="16" presetClass="entr" presetSubtype="21" fill="hold" nodeType="clickEffect">
-                                  <p:stCondLst>
-                                    <p:cond delay="0"/>
-                                  </p:stCondLst>
-                                  <p:childTnLst>
-                                    <p:set>
-                                      <p:cBhvr>
-                                        <p:cTn id="31" dur="1" fill="hold">
-                                          <p:stCondLst>
-                                            <p:cond delay="0"/>
-                                          </p:stCondLst>
-                                        </p:cTn>
-                                        <p:tgtEl>
-                                          <p:spTgt spid="14"/>
-                                        </p:tgtEl>
-                                        <p:attrNameLst>
-                                          <p:attrName>style.visibility</p:attrName>
-                                        </p:attrNameLst>
-                                      </p:cBhvr>
-                                      <p:to>
-                                        <p:strVal val="visible"/>
-                                      </p:to>
-                                    </p:set>
-                                    <p:animEffect transition="in" filter="barn(inVertical)">
-                                      <p:cBhvr>
-                                        <p:cTn id="32" dur="500"/>
-                                        <p:tgtEl>
-                                          <p:spTgt spid="14"/>
-                                        </p:tgtEl>
-                                      </p:cBhvr>
-                                    </p:animEffect>
-                                  </p:childTnLst>
-                                </p:cTn>
-                              </p:par>
-                            </p:childTnLst>
-                          </p:cTn>
-                        </p:par>
-                      </p:childTnLst>
-                    </p:cTn>
-                  </p:par>
-                  <p:par>
-                    <p:cTn id="33" fill="hold">
-                      <p:stCondLst>
-                        <p:cond delay="indefinite"/>
-                      </p:stCondLst>
-                      <p:childTnLst>
-                        <p:par>
-                          <p:cTn id="34" fill="hold">
-                            <p:stCondLst>
-                              <p:cond delay="0"/>
-                            </p:stCondLst>
-                            <p:childTnLst>
-                              <p:par>
-                                <p:cTn id="35" presetID="16" presetClass="entr" presetSubtype="21" fill="hold" nodeType="clickEffect">
-                                  <p:stCondLst>
-                                    <p:cond delay="0"/>
-                                  </p:stCondLst>
-                                  <p:childTnLst>
-                                    <p:set>
-                                      <p:cBhvr>
-                                        <p:cTn id="36" dur="1" fill="hold">
-                                          <p:stCondLst>
-                                            <p:cond delay="0"/>
-                                          </p:stCondLst>
-                                        </p:cTn>
-                                        <p:tgtEl>
-                                          <p:spTgt spid="28"/>
-                                        </p:tgtEl>
-                                        <p:attrNameLst>
-                                          <p:attrName>style.visibility</p:attrName>
-                                        </p:attrNameLst>
-                                      </p:cBhvr>
-                                      <p:to>
-                                        <p:strVal val="visible"/>
-                                      </p:to>
-                                    </p:set>
-                                    <p:animEffect transition="in" filter="barn(inVertical)">
-                                      <p:cBhvr>
-                                        <p:cTn id="37" dur="500"/>
-                                        <p:tgtEl>
-                                          <p:spTgt spid="28"/>
-                                        </p:tgtEl>
-                                      </p:cBhvr>
-                                    </p:animEffect>
-                                  </p:childTnLst>
-                                </p:cTn>
-                              </p:par>
-                            </p:childTnLst>
-                          </p:cTn>
-                        </p:par>
-                      </p:childTnLst>
-                    </p:cTn>
-                  </p:par>
-                </p:childTnLst>
-              </p:cTn>
-              <p:prevCondLst>
-                <p:cond evt="onPrev" delay="0">
-                  <p:tgtEl>
-                    <p:sldTgt/>
-                  </p:tgtEl>
-                </p:cond>
-              </p:prevCondLst>
-              <p:nextCondLst>
-                <p:cond evt="onNext" delay="0">
-                  <p:tgtEl>
-                    <p:sldTgt/>
-                  </p:tgtEl>
-                </p:cond>
-              </p:nextCondLst>
-            </p:seq>
-          </p:childTnLst>
-        </p:cTn>
+        <p:cTn id="1" dur="indefinite" restart="never" nodeType="tmRoot"/>
       </p:par>
     </p:tnLst>
-    <p:bldLst>
-      <p:bldP spid="4" grpId="0" animBg="1"/>
-      <p:bldP spid="25" grpId="0" animBg="1"/>
-    </p:bldLst>
   </p:timing>
 </p:sld>
 </file>
@@ -11283,137 +9529,9 @@
   <p:timing>
     <p:tnLst>
       <p:par>
-        <p:cTn id="1" dur="indefinite" restart="never" nodeType="tmRoot">
-          <p:childTnLst>
-            <p:seq concurrent="1" nextAc="seek">
-              <p:cTn id="2" dur="indefinite" nodeType="mainSeq">
-                <p:childTnLst>
-                  <p:par>
-                    <p:cTn id="3" fill="hold">
-                      <p:stCondLst>
-                        <p:cond delay="indefinite"/>
-                        <p:cond evt="onBegin" delay="0">
-                          <p:tn val="2"/>
-                        </p:cond>
-                      </p:stCondLst>
-                      <p:childTnLst>
-                        <p:par>
-                          <p:cTn id="4" fill="hold">
-                            <p:stCondLst>
-                              <p:cond delay="0"/>
-                            </p:stCondLst>
-                            <p:childTnLst>
-                              <p:par>
-                                <p:cTn id="5" presetID="42" presetClass="entr" presetSubtype="0" fill="hold" grpId="0" nodeType="withEffect">
-                                  <p:stCondLst>
-                                    <p:cond delay="0"/>
-                                  </p:stCondLst>
-                                  <p:childTnLst>
-                                    <p:set>
-                                      <p:cBhvr>
-                                        <p:cTn id="6" dur="1" fill="hold">
-                                          <p:stCondLst>
-                                            <p:cond delay="0"/>
-                                          </p:stCondLst>
-                                        </p:cTn>
-                                        <p:tgtEl>
-                                          <p:spTgt spid="9"/>
-                                        </p:tgtEl>
-                                        <p:attrNameLst>
-                                          <p:attrName>style.visibility</p:attrName>
-                                        </p:attrNameLst>
-                                      </p:cBhvr>
-                                      <p:to>
-                                        <p:strVal val="visible"/>
-                                      </p:to>
-                                    </p:set>
-                                    <p:animEffect transition="in" filter="fade">
-                                      <p:cBhvr>
-                                        <p:cTn id="7" dur="1000"/>
-                                        <p:tgtEl>
-                                          <p:spTgt spid="9"/>
-                                        </p:tgtEl>
-                                      </p:cBhvr>
-                                    </p:animEffect>
-                                    <p:anim calcmode="lin" valueType="num">
-                                      <p:cBhvr>
-                                        <p:cTn id="8" dur="1000" fill="hold"/>
-                                        <p:tgtEl>
-                                          <p:spTgt spid="9"/>
-                                        </p:tgtEl>
-                                        <p:attrNameLst>
-                                          <p:attrName>ppt_x</p:attrName>
-                                        </p:attrNameLst>
-                                      </p:cBhvr>
-                                      <p:tavLst>
-                                        <p:tav tm="0">
-                                          <p:val>
-                                            <p:strVal val="#ppt_x"/>
-                                          </p:val>
-                                        </p:tav>
-                                        <p:tav tm="100000">
-                                          <p:val>
-                                            <p:strVal val="#ppt_x"/>
-                                          </p:val>
-                                        </p:tav>
-                                      </p:tavLst>
-                                    </p:anim>
-                                    <p:anim calcmode="lin" valueType="num">
-                                      <p:cBhvr>
-                                        <p:cTn id="9" dur="1000" fill="hold"/>
-                                        <p:tgtEl>
-                                          <p:spTgt spid="9"/>
-                                        </p:tgtEl>
-                                        <p:attrNameLst>
-                                          <p:attrName>ppt_y</p:attrName>
-                                        </p:attrNameLst>
-                                      </p:cBhvr>
-                                      <p:tavLst>
-                                        <p:tav tm="0">
-                                          <p:val>
-                                            <p:strVal val="#ppt_y+.1"/>
-                                          </p:val>
-                                        </p:tav>
-                                        <p:tav tm="100000">
-                                          <p:val>
-                                            <p:strVal val="#ppt_y"/>
-                                          </p:val>
-                                        </p:tav>
-                                      </p:tavLst>
-                                    </p:anim>
-                                  </p:childTnLst>
-                                </p:cTn>
-                              </p:par>
-                            </p:childTnLst>
-                          </p:cTn>
-                        </p:par>
-                      </p:childTnLst>
-                    </p:cTn>
-                  </p:par>
-                </p:childTnLst>
-              </p:cTn>
-              <p:prevCondLst>
-                <p:cond evt="onPrev" delay="0">
-                  <p:tgtEl>
-                    <p:sldTgt/>
-                  </p:tgtEl>
-                </p:cond>
-              </p:prevCondLst>
-              <p:nextCondLst>
-                <p:cond evt="onNext" delay="0">
-                  <p:tgtEl>
-                    <p:sldTgt/>
-                  </p:tgtEl>
-                </p:cond>
-              </p:nextCondLst>
-            </p:seq>
-          </p:childTnLst>
-        </p:cTn>
+        <p:cTn id="1" dur="indefinite" restart="never" nodeType="tmRoot"/>
       </p:par>
     </p:tnLst>
-    <p:bldLst>
-      <p:bldP spid="9" grpId="0"/>
-    </p:bldLst>
   </p:timing>
 </p:sld>
 </file>
@@ -11513,6 +9631,13 @@
   <p:clrMapOvr>
     <a:masterClrMapping/>
   </p:clrMapOvr>
+  <p:timing>
+    <p:tnLst>
+      <p:par>
+        <p:cTn id="1" dur="indefinite" restart="never" nodeType="tmRoot"/>
+      </p:par>
+    </p:tnLst>
+  </p:timing>
 </p:sld>
 </file>
 
@@ -11581,6 +9706,13 @@
   <p:clrMapOvr>
     <a:masterClrMapping/>
   </p:clrMapOvr>
+  <p:timing>
+    <p:tnLst>
+      <p:par>
+        <p:cTn id="1" dur="indefinite" restart="never" nodeType="tmRoot"/>
+      </p:par>
+    </p:tnLst>
+  </p:timing>
 </p:sld>
 </file>
 
@@ -12122,574 +10254,9 @@
   <p:timing>
     <p:tnLst>
       <p:par>
-        <p:cTn id="1" dur="indefinite" restart="never" nodeType="tmRoot">
-          <p:childTnLst>
-            <p:seq concurrent="1" nextAc="seek">
-              <p:cTn id="2" dur="indefinite" nodeType="mainSeq">
-                <p:childTnLst>
-                  <p:par>
-                    <p:cTn id="3" fill="hold">
-                      <p:stCondLst>
-                        <p:cond delay="indefinite"/>
-                      </p:stCondLst>
-                      <p:childTnLst>
-                        <p:par>
-                          <p:cTn id="4" fill="hold">
-                            <p:stCondLst>
-                              <p:cond delay="0"/>
-                            </p:stCondLst>
-                            <p:childTnLst>
-                              <p:par>
-                                <p:cTn id="5" presetID="42" presetClass="entr" presetSubtype="0" fill="hold" grpId="0" nodeType="clickEffect">
-                                  <p:stCondLst>
-                                    <p:cond delay="0"/>
-                                  </p:stCondLst>
-                                  <p:childTnLst>
-                                    <p:set>
-                                      <p:cBhvr>
-                                        <p:cTn id="6" dur="1" fill="hold">
-                                          <p:stCondLst>
-                                            <p:cond delay="0"/>
-                                          </p:stCondLst>
-                                        </p:cTn>
-                                        <p:tgtEl>
-                                          <p:spTgt spid="14">
-                                            <p:txEl>
-                                              <p:pRg st="0" end="0"/>
-                                            </p:txEl>
-                                          </p:spTgt>
-                                        </p:tgtEl>
-                                        <p:attrNameLst>
-                                          <p:attrName>style.visibility</p:attrName>
-                                        </p:attrNameLst>
-                                      </p:cBhvr>
-                                      <p:to>
-                                        <p:strVal val="visible"/>
-                                      </p:to>
-                                    </p:set>
-                                    <p:animEffect transition="in" filter="fade">
-                                      <p:cBhvr>
-                                        <p:cTn id="7" dur="500"/>
-                                        <p:tgtEl>
-                                          <p:spTgt spid="14">
-                                            <p:txEl>
-                                              <p:pRg st="0" end="0"/>
-                                            </p:txEl>
-                                          </p:spTgt>
-                                        </p:tgtEl>
-                                      </p:cBhvr>
-                                    </p:animEffect>
-                                    <p:anim calcmode="lin" valueType="num">
-                                      <p:cBhvr>
-                                        <p:cTn id="8" dur="500" fill="hold"/>
-                                        <p:tgtEl>
-                                          <p:spTgt spid="14">
-                                            <p:txEl>
-                                              <p:pRg st="0" end="0"/>
-                                            </p:txEl>
-                                          </p:spTgt>
-                                        </p:tgtEl>
-                                        <p:attrNameLst>
-                                          <p:attrName>ppt_x</p:attrName>
-                                        </p:attrNameLst>
-                                      </p:cBhvr>
-                                      <p:tavLst>
-                                        <p:tav tm="0">
-                                          <p:val>
-                                            <p:strVal val="#ppt_x"/>
-                                          </p:val>
-                                        </p:tav>
-                                        <p:tav tm="100000">
-                                          <p:val>
-                                            <p:strVal val="#ppt_x"/>
-                                          </p:val>
-                                        </p:tav>
-                                      </p:tavLst>
-                                    </p:anim>
-                                    <p:anim calcmode="lin" valueType="num">
-                                      <p:cBhvr>
-                                        <p:cTn id="9" dur="500" fill="hold"/>
-                                        <p:tgtEl>
-                                          <p:spTgt spid="14">
-                                            <p:txEl>
-                                              <p:pRg st="0" end="0"/>
-                                            </p:txEl>
-                                          </p:spTgt>
-                                        </p:tgtEl>
-                                        <p:attrNameLst>
-                                          <p:attrName>ppt_y</p:attrName>
-                                        </p:attrNameLst>
-                                      </p:cBhvr>
-                                      <p:tavLst>
-                                        <p:tav tm="0">
-                                          <p:val>
-                                            <p:strVal val="#ppt_y+.1"/>
-                                          </p:val>
-                                        </p:tav>
-                                        <p:tav tm="100000">
-                                          <p:val>
-                                            <p:strVal val="#ppt_y"/>
-                                          </p:val>
-                                        </p:tav>
-                                      </p:tavLst>
-                                    </p:anim>
-                                  </p:childTnLst>
-                                </p:cTn>
-                              </p:par>
-                              <p:par>
-                                <p:cTn id="10" presetID="42" presetClass="entr" presetSubtype="0" fill="hold" grpId="0" nodeType="withEffect">
-                                  <p:stCondLst>
-                                    <p:cond delay="0"/>
-                                  </p:stCondLst>
-                                  <p:childTnLst>
-                                    <p:set>
-                                      <p:cBhvr>
-                                        <p:cTn id="11" dur="1" fill="hold">
-                                          <p:stCondLst>
-                                            <p:cond delay="0"/>
-                                          </p:stCondLst>
-                                        </p:cTn>
-                                        <p:tgtEl>
-                                          <p:spTgt spid="14">
-                                            <p:txEl>
-                                              <p:pRg st="2" end="2"/>
-                                            </p:txEl>
-                                          </p:spTgt>
-                                        </p:tgtEl>
-                                        <p:attrNameLst>
-                                          <p:attrName>style.visibility</p:attrName>
-                                        </p:attrNameLst>
-                                      </p:cBhvr>
-                                      <p:to>
-                                        <p:strVal val="visible"/>
-                                      </p:to>
-                                    </p:set>
-                                    <p:animEffect transition="in" filter="fade">
-                                      <p:cBhvr>
-                                        <p:cTn id="12" dur="500"/>
-                                        <p:tgtEl>
-                                          <p:spTgt spid="14">
-                                            <p:txEl>
-                                              <p:pRg st="2" end="2"/>
-                                            </p:txEl>
-                                          </p:spTgt>
-                                        </p:tgtEl>
-                                      </p:cBhvr>
-                                    </p:animEffect>
-                                    <p:anim calcmode="lin" valueType="num">
-                                      <p:cBhvr>
-                                        <p:cTn id="13" dur="500" fill="hold"/>
-                                        <p:tgtEl>
-                                          <p:spTgt spid="14">
-                                            <p:txEl>
-                                              <p:pRg st="2" end="2"/>
-                                            </p:txEl>
-                                          </p:spTgt>
-                                        </p:tgtEl>
-                                        <p:attrNameLst>
-                                          <p:attrName>ppt_x</p:attrName>
-                                        </p:attrNameLst>
-                                      </p:cBhvr>
-                                      <p:tavLst>
-                                        <p:tav tm="0">
-                                          <p:val>
-                                            <p:strVal val="#ppt_x"/>
-                                          </p:val>
-                                        </p:tav>
-                                        <p:tav tm="100000">
-                                          <p:val>
-                                            <p:strVal val="#ppt_x"/>
-                                          </p:val>
-                                        </p:tav>
-                                      </p:tavLst>
-                                    </p:anim>
-                                    <p:anim calcmode="lin" valueType="num">
-                                      <p:cBhvr>
-                                        <p:cTn id="14" dur="500" fill="hold"/>
-                                        <p:tgtEl>
-                                          <p:spTgt spid="14">
-                                            <p:txEl>
-                                              <p:pRg st="2" end="2"/>
-                                            </p:txEl>
-                                          </p:spTgt>
-                                        </p:tgtEl>
-                                        <p:attrNameLst>
-                                          <p:attrName>ppt_y</p:attrName>
-                                        </p:attrNameLst>
-                                      </p:cBhvr>
-                                      <p:tavLst>
-                                        <p:tav tm="0">
-                                          <p:val>
-                                            <p:strVal val="#ppt_y+.1"/>
-                                          </p:val>
-                                        </p:tav>
-                                        <p:tav tm="100000">
-                                          <p:val>
-                                            <p:strVal val="#ppt_y"/>
-                                          </p:val>
-                                        </p:tav>
-                                      </p:tavLst>
-                                    </p:anim>
-                                  </p:childTnLst>
-                                </p:cTn>
-                              </p:par>
-                              <p:par>
-                                <p:cTn id="15" presetID="42" presetClass="entr" presetSubtype="0" fill="hold" grpId="0" nodeType="withEffect">
-                                  <p:stCondLst>
-                                    <p:cond delay="0"/>
-                                  </p:stCondLst>
-                                  <p:childTnLst>
-                                    <p:set>
-                                      <p:cBhvr>
-                                        <p:cTn id="16" dur="1" fill="hold">
-                                          <p:stCondLst>
-                                            <p:cond delay="0"/>
-                                          </p:stCondLst>
-                                        </p:cTn>
-                                        <p:tgtEl>
-                                          <p:spTgt spid="14">
-                                            <p:txEl>
-                                              <p:pRg st="4" end="4"/>
-                                            </p:txEl>
-                                          </p:spTgt>
-                                        </p:tgtEl>
-                                        <p:attrNameLst>
-                                          <p:attrName>style.visibility</p:attrName>
-                                        </p:attrNameLst>
-                                      </p:cBhvr>
-                                      <p:to>
-                                        <p:strVal val="visible"/>
-                                      </p:to>
-                                    </p:set>
-                                    <p:animEffect transition="in" filter="fade">
-                                      <p:cBhvr>
-                                        <p:cTn id="17" dur="500"/>
-                                        <p:tgtEl>
-                                          <p:spTgt spid="14">
-                                            <p:txEl>
-                                              <p:pRg st="4" end="4"/>
-                                            </p:txEl>
-                                          </p:spTgt>
-                                        </p:tgtEl>
-                                      </p:cBhvr>
-                                    </p:animEffect>
-                                    <p:anim calcmode="lin" valueType="num">
-                                      <p:cBhvr>
-                                        <p:cTn id="18" dur="500" fill="hold"/>
-                                        <p:tgtEl>
-                                          <p:spTgt spid="14">
-                                            <p:txEl>
-                                              <p:pRg st="4" end="4"/>
-                                            </p:txEl>
-                                          </p:spTgt>
-                                        </p:tgtEl>
-                                        <p:attrNameLst>
-                                          <p:attrName>ppt_x</p:attrName>
-                                        </p:attrNameLst>
-                                      </p:cBhvr>
-                                      <p:tavLst>
-                                        <p:tav tm="0">
-                                          <p:val>
-                                            <p:strVal val="#ppt_x"/>
-                                          </p:val>
-                                        </p:tav>
-                                        <p:tav tm="100000">
-                                          <p:val>
-                                            <p:strVal val="#ppt_x"/>
-                                          </p:val>
-                                        </p:tav>
-                                      </p:tavLst>
-                                    </p:anim>
-                                    <p:anim calcmode="lin" valueType="num">
-                                      <p:cBhvr>
-                                        <p:cTn id="19" dur="500" fill="hold"/>
-                                        <p:tgtEl>
-                                          <p:spTgt spid="14">
-                                            <p:txEl>
-                                              <p:pRg st="4" end="4"/>
-                                            </p:txEl>
-                                          </p:spTgt>
-                                        </p:tgtEl>
-                                        <p:attrNameLst>
-                                          <p:attrName>ppt_y</p:attrName>
-                                        </p:attrNameLst>
-                                      </p:cBhvr>
-                                      <p:tavLst>
-                                        <p:tav tm="0">
-                                          <p:val>
-                                            <p:strVal val="#ppt_y+.1"/>
-                                          </p:val>
-                                        </p:tav>
-                                        <p:tav tm="100000">
-                                          <p:val>
-                                            <p:strVal val="#ppt_y"/>
-                                          </p:val>
-                                        </p:tav>
-                                      </p:tavLst>
-                                    </p:anim>
-                                  </p:childTnLst>
-                                </p:cTn>
-                              </p:par>
-                            </p:childTnLst>
-                          </p:cTn>
-                        </p:par>
-                      </p:childTnLst>
-                    </p:cTn>
-                  </p:par>
-                  <p:par>
-                    <p:cTn id="20" fill="hold">
-                      <p:stCondLst>
-                        <p:cond delay="indefinite"/>
-                      </p:stCondLst>
-                      <p:childTnLst>
-                        <p:par>
-                          <p:cTn id="21" fill="hold">
-                            <p:stCondLst>
-                              <p:cond delay="0"/>
-                            </p:stCondLst>
-                            <p:childTnLst>
-                              <p:par>
-                                <p:cTn id="22" presetID="42" presetClass="entr" presetSubtype="0" fill="hold" nodeType="clickEffect">
-                                  <p:stCondLst>
-                                    <p:cond delay="0"/>
-                                  </p:stCondLst>
-                                  <p:childTnLst>
-                                    <p:set>
-                                      <p:cBhvr>
-                                        <p:cTn id="23" dur="1" fill="hold">
-                                          <p:stCondLst>
-                                            <p:cond delay="0"/>
-                                          </p:stCondLst>
-                                        </p:cTn>
-                                        <p:tgtEl>
-                                          <p:spTgt spid="14">
-                                            <p:txEl>
-                                              <p:pRg st="6" end="6"/>
-                                            </p:txEl>
-                                          </p:spTgt>
-                                        </p:tgtEl>
-                                        <p:attrNameLst>
-                                          <p:attrName>style.visibility</p:attrName>
-                                        </p:attrNameLst>
-                                      </p:cBhvr>
-                                      <p:to>
-                                        <p:strVal val="visible"/>
-                                      </p:to>
-                                    </p:set>
-                                    <p:animEffect transition="in" filter="fade">
-                                      <p:cBhvr>
-                                        <p:cTn id="24" dur="500"/>
-                                        <p:tgtEl>
-                                          <p:spTgt spid="14">
-                                            <p:txEl>
-                                              <p:pRg st="6" end="6"/>
-                                            </p:txEl>
-                                          </p:spTgt>
-                                        </p:tgtEl>
-                                      </p:cBhvr>
-                                    </p:animEffect>
-                                    <p:anim calcmode="lin" valueType="num">
-                                      <p:cBhvr>
-                                        <p:cTn id="25" dur="500" fill="hold"/>
-                                        <p:tgtEl>
-                                          <p:spTgt spid="14">
-                                            <p:txEl>
-                                              <p:pRg st="6" end="6"/>
-                                            </p:txEl>
-                                          </p:spTgt>
-                                        </p:tgtEl>
-                                        <p:attrNameLst>
-                                          <p:attrName>ppt_x</p:attrName>
-                                        </p:attrNameLst>
-                                      </p:cBhvr>
-                                      <p:tavLst>
-                                        <p:tav tm="0">
-                                          <p:val>
-                                            <p:strVal val="#ppt_x"/>
-                                          </p:val>
-                                        </p:tav>
-                                        <p:tav tm="100000">
-                                          <p:val>
-                                            <p:strVal val="#ppt_x"/>
-                                          </p:val>
-                                        </p:tav>
-                                      </p:tavLst>
-                                    </p:anim>
-                                    <p:anim calcmode="lin" valueType="num">
-                                      <p:cBhvr>
-                                        <p:cTn id="26" dur="500" fill="hold"/>
-                                        <p:tgtEl>
-                                          <p:spTgt spid="14">
-                                            <p:txEl>
-                                              <p:pRg st="6" end="6"/>
-                                            </p:txEl>
-                                          </p:spTgt>
-                                        </p:tgtEl>
-                                        <p:attrNameLst>
-                                          <p:attrName>ppt_y</p:attrName>
-                                        </p:attrNameLst>
-                                      </p:cBhvr>
-                                      <p:tavLst>
-                                        <p:tav tm="0">
-                                          <p:val>
-                                            <p:strVal val="#ppt_y+.1"/>
-                                          </p:val>
-                                        </p:tav>
-                                        <p:tav tm="100000">
-                                          <p:val>
-                                            <p:strVal val="#ppt_y"/>
-                                          </p:val>
-                                        </p:tav>
-                                      </p:tavLst>
-                                    </p:anim>
-                                  </p:childTnLst>
-                                </p:cTn>
-                              </p:par>
-                            </p:childTnLst>
-                          </p:cTn>
-                        </p:par>
-                      </p:childTnLst>
-                    </p:cTn>
-                  </p:par>
-                  <p:par>
-                    <p:cTn id="27" fill="hold">
-                      <p:stCondLst>
-                        <p:cond delay="indefinite"/>
-                      </p:stCondLst>
-                      <p:childTnLst>
-                        <p:par>
-                          <p:cTn id="28" fill="hold">
-                            <p:stCondLst>
-                              <p:cond delay="0"/>
-                            </p:stCondLst>
-                            <p:childTnLst>
-                              <p:par>
-                                <p:cTn id="29" presetID="42" presetClass="entr" presetSubtype="0" fill="hold" nodeType="clickEffect">
-                                  <p:stCondLst>
-                                    <p:cond delay="0"/>
-                                  </p:stCondLst>
-                                  <p:childTnLst>
-                                    <p:set>
-                                      <p:cBhvr>
-                                        <p:cTn id="30" dur="1" fill="hold">
-                                          <p:stCondLst>
-                                            <p:cond delay="0"/>
-                                          </p:stCondLst>
-                                        </p:cTn>
-                                        <p:tgtEl>
-                                          <p:spTgt spid="14">
-                                            <p:txEl>
-                                              <p:pRg st="8" end="8"/>
-                                            </p:txEl>
-                                          </p:spTgt>
-                                        </p:tgtEl>
-                                        <p:attrNameLst>
-                                          <p:attrName>style.visibility</p:attrName>
-                                        </p:attrNameLst>
-                                      </p:cBhvr>
-                                      <p:to>
-                                        <p:strVal val="visible"/>
-                                      </p:to>
-                                    </p:set>
-                                    <p:animEffect transition="in" filter="fade">
-                                      <p:cBhvr>
-                                        <p:cTn id="31" dur="500"/>
-                                        <p:tgtEl>
-                                          <p:spTgt spid="14">
-                                            <p:txEl>
-                                              <p:pRg st="8" end="8"/>
-                                            </p:txEl>
-                                          </p:spTgt>
-                                        </p:tgtEl>
-                                      </p:cBhvr>
-                                    </p:animEffect>
-                                    <p:anim calcmode="lin" valueType="num">
-                                      <p:cBhvr>
-                                        <p:cTn id="32" dur="500" fill="hold"/>
-                                        <p:tgtEl>
-                                          <p:spTgt spid="14">
-                                            <p:txEl>
-                                              <p:pRg st="8" end="8"/>
-                                            </p:txEl>
-                                          </p:spTgt>
-                                        </p:tgtEl>
-                                        <p:attrNameLst>
-                                          <p:attrName>ppt_x</p:attrName>
-                                        </p:attrNameLst>
-                                      </p:cBhvr>
-                                      <p:tavLst>
-                                        <p:tav tm="0">
-                                          <p:val>
-                                            <p:strVal val="#ppt_x"/>
-                                          </p:val>
-                                        </p:tav>
-                                        <p:tav tm="100000">
-                                          <p:val>
-                                            <p:strVal val="#ppt_x"/>
-                                          </p:val>
-                                        </p:tav>
-                                      </p:tavLst>
-                                    </p:anim>
-                                    <p:anim calcmode="lin" valueType="num">
-                                      <p:cBhvr>
-                                        <p:cTn id="33" dur="500" fill="hold"/>
-                                        <p:tgtEl>
-                                          <p:spTgt spid="14">
-                                            <p:txEl>
-                                              <p:pRg st="8" end="8"/>
-                                            </p:txEl>
-                                          </p:spTgt>
-                                        </p:tgtEl>
-                                        <p:attrNameLst>
-                                          <p:attrName>ppt_y</p:attrName>
-                                        </p:attrNameLst>
-                                      </p:cBhvr>
-                                      <p:tavLst>
-                                        <p:tav tm="0">
-                                          <p:val>
-                                            <p:strVal val="#ppt_y+.1"/>
-                                          </p:val>
-                                        </p:tav>
-                                        <p:tav tm="100000">
-                                          <p:val>
-                                            <p:strVal val="#ppt_y"/>
-                                          </p:val>
-                                        </p:tav>
-                                      </p:tavLst>
-                                    </p:anim>
-                                  </p:childTnLst>
-                                </p:cTn>
-                              </p:par>
-                            </p:childTnLst>
-                          </p:cTn>
-                        </p:par>
-                      </p:childTnLst>
-                    </p:cTn>
-                  </p:par>
-                </p:childTnLst>
-              </p:cTn>
-              <p:prevCondLst>
-                <p:cond evt="onPrev" delay="0">
-                  <p:tgtEl>
-                    <p:sldTgt/>
-                  </p:tgtEl>
-                </p:cond>
-              </p:prevCondLst>
-              <p:nextCondLst>
-                <p:cond evt="onNext" delay="0">
-                  <p:tgtEl>
-                    <p:sldTgt/>
-                  </p:tgtEl>
-                </p:cond>
-              </p:nextCondLst>
-            </p:seq>
-          </p:childTnLst>
-        </p:cTn>
+        <p:cTn id="1" dur="indefinite" restart="never" nodeType="tmRoot"/>
       </p:par>
     </p:tnLst>
-    <p:bldLst>
-      <p:bldP spid="14" grpId="0" uiExpand="1" build="p"/>
-    </p:bldLst>
   </p:timing>
 </p:sld>
 </file>
@@ -12929,6 +10496,13 @@
   <p:clrMapOvr>
     <a:masterClrMapping/>
   </p:clrMapOvr>
+  <p:timing>
+    <p:tnLst>
+      <p:par>
+        <p:cTn id="1" dur="indefinite" restart="never" nodeType="tmRoot"/>
+      </p:par>
+    </p:tnLst>
+  </p:timing>
 </p:sld>
 </file>
 
@@ -13174,6 +10748,13 @@
   <p:clrMapOvr>
     <a:masterClrMapping/>
   </p:clrMapOvr>
+  <p:timing>
+    <p:tnLst>
+      <p:par>
+        <p:cTn id="1" dur="indefinite" restart="never" nodeType="tmRoot"/>
+      </p:par>
+    </p:tnLst>
+  </p:timing>
 </p:sld>
 </file>
 
@@ -13347,12 +10928,12 @@
               <a:buAutoNum type="arabicPeriod"/>
             </a:pPr>
             <a:r>
-              <a:rPr lang="en-US" sz="2400" dirty="0" err="1"/>
-              <a:t>Exute</a:t>
+              <a:rPr lang="en-US" sz="2400" dirty="0" smtClean="0"/>
+              <a:t>Execute </a:t>
             </a:r>
             <a:r>
               <a:rPr lang="en-US" sz="2400" dirty="0"/>
-              <a:t> the code </a:t>
+              <a:t>the code </a:t>
             </a:r>
           </a:p>
         </p:txBody>
@@ -13397,6 +10978,13 @@
   <p:clrMapOvr>
     <a:masterClrMapping/>
   </p:clrMapOvr>
+  <p:timing>
+    <p:tnLst>
+      <p:par>
+        <p:cTn id="1" dur="indefinite" restart="never" nodeType="tmRoot"/>
+      </p:par>
+    </p:tnLst>
+  </p:timing>
 </p:sld>
 </file>
 
@@ -14246,6 +11834,13 @@
   <p:clrMapOvr>
     <a:masterClrMapping/>
   </p:clrMapOvr>
+  <p:timing>
+    <p:tnLst>
+      <p:par>
+        <p:cTn id="1" dur="indefinite" restart="never" nodeType="tmRoot"/>
+      </p:par>
+    </p:tnLst>
+  </p:timing>
 </p:sld>
 </file>
 
@@ -16730,7 +14325,15 @@
                   <a:prstClr val="black"/>
                 </a:solidFill>
               </a:rPr>
-              <a:t>The DBMS manages incoming data, organizes it, and provides ways for the data to be modified or extracted by users or other programs. </a:t>
+              <a:t>The DBMS manages incoming data, organizes it, and provides ways for the data to be modified or extracted by users or other programs</a:t>
+            </a:r>
+            <a:r>
+              <a:rPr lang="en-US" sz="2400" dirty="0" smtClean="0">
+                <a:solidFill>
+                  <a:prstClr val="black"/>
+                </a:solidFill>
+              </a:rPr>
+              <a:t>. </a:t>
             </a:r>
             <a:endParaRPr kumimoji="0" lang="fr-FR" sz="2400" b="0" i="0" u="none" strike="noStrike" kern="1200" cap="none" spc="0" normalizeH="0" baseline="0" noProof="0" dirty="0">
               <a:ln>
@@ -16763,134 +14366,9 @@
   <p:timing>
     <p:tnLst>
       <p:par>
-        <p:cTn id="1" dur="indefinite" restart="never" nodeType="tmRoot">
-          <p:childTnLst>
-            <p:seq concurrent="1" nextAc="seek">
-              <p:cTn id="2" dur="indefinite" nodeType="mainSeq">
-                <p:childTnLst>
-                  <p:par>
-                    <p:cTn id="3" fill="hold">
-                      <p:stCondLst>
-                        <p:cond delay="indefinite"/>
-                      </p:stCondLst>
-                      <p:childTnLst>
-                        <p:par>
-                          <p:cTn id="4" fill="hold">
-                            <p:stCondLst>
-                              <p:cond delay="0"/>
-                            </p:stCondLst>
-                            <p:childTnLst>
-                              <p:par>
-                                <p:cTn id="5" presetID="42" presetClass="entr" presetSubtype="0" fill="hold" grpId="0" nodeType="clickEffect">
-                                  <p:stCondLst>
-                                    <p:cond delay="0"/>
-                                  </p:stCondLst>
-                                  <p:childTnLst>
-                                    <p:set>
-                                      <p:cBhvr>
-                                        <p:cTn id="6" dur="1" fill="hold">
-                                          <p:stCondLst>
-                                            <p:cond delay="0"/>
-                                          </p:stCondLst>
-                                        </p:cTn>
-                                        <p:tgtEl>
-                                          <p:spTgt spid="18"/>
-                                        </p:tgtEl>
-                                        <p:attrNameLst>
-                                          <p:attrName>style.visibility</p:attrName>
-                                        </p:attrNameLst>
-                                      </p:cBhvr>
-                                      <p:to>
-                                        <p:strVal val="visible"/>
-                                      </p:to>
-                                    </p:set>
-                                    <p:animEffect transition="in" filter="fade">
-                                      <p:cBhvr>
-                                        <p:cTn id="7" dur="1000"/>
-                                        <p:tgtEl>
-                                          <p:spTgt spid="18"/>
-                                        </p:tgtEl>
-                                      </p:cBhvr>
-                                    </p:animEffect>
-                                    <p:anim calcmode="lin" valueType="num">
-                                      <p:cBhvr>
-                                        <p:cTn id="8" dur="1000" fill="hold"/>
-                                        <p:tgtEl>
-                                          <p:spTgt spid="18"/>
-                                        </p:tgtEl>
-                                        <p:attrNameLst>
-                                          <p:attrName>ppt_x</p:attrName>
-                                        </p:attrNameLst>
-                                      </p:cBhvr>
-                                      <p:tavLst>
-                                        <p:tav tm="0">
-                                          <p:val>
-                                            <p:strVal val="#ppt_x"/>
-                                          </p:val>
-                                        </p:tav>
-                                        <p:tav tm="100000">
-                                          <p:val>
-                                            <p:strVal val="#ppt_x"/>
-                                          </p:val>
-                                        </p:tav>
-                                      </p:tavLst>
-                                    </p:anim>
-                                    <p:anim calcmode="lin" valueType="num">
-                                      <p:cBhvr>
-                                        <p:cTn id="9" dur="1000" fill="hold"/>
-                                        <p:tgtEl>
-                                          <p:spTgt spid="18"/>
-                                        </p:tgtEl>
-                                        <p:attrNameLst>
-                                          <p:attrName>ppt_y</p:attrName>
-                                        </p:attrNameLst>
-                                      </p:cBhvr>
-                                      <p:tavLst>
-                                        <p:tav tm="0">
-                                          <p:val>
-                                            <p:strVal val="#ppt_y+.1"/>
-                                          </p:val>
-                                        </p:tav>
-                                        <p:tav tm="100000">
-                                          <p:val>
-                                            <p:strVal val="#ppt_y"/>
-                                          </p:val>
-                                        </p:tav>
-                                      </p:tavLst>
-                                    </p:anim>
-                                  </p:childTnLst>
-                                </p:cTn>
-                              </p:par>
-                            </p:childTnLst>
-                          </p:cTn>
-                        </p:par>
-                      </p:childTnLst>
-                    </p:cTn>
-                  </p:par>
-                </p:childTnLst>
-              </p:cTn>
-              <p:prevCondLst>
-                <p:cond evt="onPrev" delay="0">
-                  <p:tgtEl>
-                    <p:sldTgt/>
-                  </p:tgtEl>
-                </p:cond>
-              </p:prevCondLst>
-              <p:nextCondLst>
-                <p:cond evt="onNext" delay="0">
-                  <p:tgtEl>
-                    <p:sldTgt/>
-                  </p:tgtEl>
-                </p:cond>
-              </p:nextCondLst>
-            </p:seq>
-          </p:childTnLst>
-        </p:cTn>
+        <p:cTn id="1" dur="indefinite" restart="never" nodeType="tmRoot"/>
       </p:par>
     </p:tnLst>
-    <p:bldLst>
-      <p:bldP spid="18" grpId="0"/>
-    </p:bldLst>
   </p:timing>
 </p:sld>
 </file>
@@ -28260,6 +25738,13 @@
   <p:clrMapOvr>
     <a:masterClrMapping/>
   </p:clrMapOvr>
+  <p:timing>
+    <p:tnLst>
+      <p:par>
+        <p:cTn id="1" dur="indefinite" restart="never" nodeType="tmRoot"/>
+      </p:par>
+    </p:tnLst>
+  </p:timing>
 </p:sld>
 </file>
 
@@ -31004,88 +28489,9 @@
   <p:timing>
     <p:tnLst>
       <p:par>
-        <p:cTn id="1" dur="indefinite" restart="never" nodeType="tmRoot">
-          <p:childTnLst>
-            <p:seq concurrent="1" nextAc="seek">
-              <p:cTn id="2" dur="indefinite" nodeType="mainSeq">
-                <p:childTnLst>
-                  <p:par>
-                    <p:cTn id="3" fill="hold">
-                      <p:stCondLst>
-                        <p:cond delay="indefinite"/>
-                      </p:stCondLst>
-                      <p:childTnLst>
-                        <p:par>
-                          <p:cTn id="4" fill="hold">
-                            <p:stCondLst>
-                              <p:cond delay="0"/>
-                            </p:stCondLst>
-                            <p:childTnLst>
-                              <p:par>
-                                <p:cTn id="5" presetID="16" presetClass="entr" presetSubtype="21" fill="hold" grpId="0" nodeType="clickEffect">
-                                  <p:stCondLst>
-                                    <p:cond delay="0"/>
-                                  </p:stCondLst>
-                                  <p:childTnLst>
-                                    <p:set>
-                                      <p:cBhvr>
-                                        <p:cTn id="6" dur="1" fill="hold">
-                                          <p:stCondLst>
-                                            <p:cond delay="0"/>
-                                          </p:stCondLst>
-                                        </p:cTn>
-                                        <p:tgtEl>
-                                          <p:spTgt spid="8"/>
-                                        </p:tgtEl>
-                                        <p:attrNameLst>
-                                          <p:attrName>style.visibility</p:attrName>
-                                        </p:attrNameLst>
-                                      </p:cBhvr>
-                                      <p:to>
-                                        <p:strVal val="visible"/>
-                                      </p:to>
-                                    </p:set>
-                                    <p:animEffect transition="in" filter="barn(inVertical)">
-                                      <p:cBhvr>
-                                        <p:cTn id="7" dur="500"/>
-                                        <p:tgtEl>
-                                          <p:spTgt spid="8"/>
-                                        </p:tgtEl>
-                                      </p:cBhvr>
-                                    </p:animEffect>
-                                  </p:childTnLst>
-                                </p:cTn>
-                              </p:par>
-                            </p:childTnLst>
-                          </p:cTn>
-                        </p:par>
-                      </p:childTnLst>
-                    </p:cTn>
-                  </p:par>
-                </p:childTnLst>
-              </p:cTn>
-              <p:prevCondLst>
-                <p:cond evt="onPrev" delay="0">
-                  <p:tgtEl>
-                    <p:sldTgt/>
-                  </p:tgtEl>
-                </p:cond>
-              </p:prevCondLst>
-              <p:nextCondLst>
-                <p:cond evt="onNext" delay="0">
-                  <p:tgtEl>
-                    <p:sldTgt/>
-                  </p:tgtEl>
-                </p:cond>
-              </p:nextCondLst>
-            </p:seq>
-          </p:childTnLst>
-        </p:cTn>
+        <p:cTn id="1" dur="indefinite" restart="never" nodeType="tmRoot"/>
       </p:par>
     </p:tnLst>
-    <p:bldLst>
-      <p:bldP spid="8" grpId="0"/>
-    </p:bldLst>
   </p:timing>
 </p:sld>
 </file>
@@ -31491,170 +28897,9 @@
   <p:timing>
     <p:tnLst>
       <p:par>
-        <p:cTn id="1" dur="indefinite" restart="never" nodeType="tmRoot">
-          <p:childTnLst>
-            <p:seq concurrent="1" nextAc="seek">
-              <p:cTn id="2" dur="indefinite" nodeType="mainSeq">
-                <p:childTnLst>
-                  <p:par>
-                    <p:cTn id="3" fill="hold">
-                      <p:stCondLst>
-                        <p:cond delay="indefinite"/>
-                      </p:stCondLst>
-                      <p:childTnLst>
-                        <p:par>
-                          <p:cTn id="4" fill="hold">
-                            <p:stCondLst>
-                              <p:cond delay="0"/>
-                            </p:stCondLst>
-                            <p:childTnLst>
-                              <p:par>
-                                <p:cTn id="5" presetID="42" presetClass="entr" presetSubtype="0" fill="hold" grpId="0" nodeType="clickEffect">
-                                  <p:stCondLst>
-                                    <p:cond delay="0"/>
-                                  </p:stCondLst>
-                                  <p:childTnLst>
-                                    <p:set>
-                                      <p:cBhvr>
-                                        <p:cTn id="6" dur="1" fill="hold">
-                                          <p:stCondLst>
-                                            <p:cond delay="0"/>
-                                          </p:stCondLst>
-                                        </p:cTn>
-                                        <p:tgtEl>
-                                          <p:spTgt spid="7"/>
-                                        </p:tgtEl>
-                                        <p:attrNameLst>
-                                          <p:attrName>style.visibility</p:attrName>
-                                        </p:attrNameLst>
-                                      </p:cBhvr>
-                                      <p:to>
-                                        <p:strVal val="visible"/>
-                                      </p:to>
-                                    </p:set>
-                                    <p:animEffect transition="in" filter="fade">
-                                      <p:cBhvr>
-                                        <p:cTn id="7" dur="1000"/>
-                                        <p:tgtEl>
-                                          <p:spTgt spid="7"/>
-                                        </p:tgtEl>
-                                      </p:cBhvr>
-                                    </p:animEffect>
-                                    <p:anim calcmode="lin" valueType="num">
-                                      <p:cBhvr>
-                                        <p:cTn id="8" dur="1000" fill="hold"/>
-                                        <p:tgtEl>
-                                          <p:spTgt spid="7"/>
-                                        </p:tgtEl>
-                                        <p:attrNameLst>
-                                          <p:attrName>ppt_x</p:attrName>
-                                        </p:attrNameLst>
-                                      </p:cBhvr>
-                                      <p:tavLst>
-                                        <p:tav tm="0">
-                                          <p:val>
-                                            <p:strVal val="#ppt_x"/>
-                                          </p:val>
-                                        </p:tav>
-                                        <p:tav tm="100000">
-                                          <p:val>
-                                            <p:strVal val="#ppt_x"/>
-                                          </p:val>
-                                        </p:tav>
-                                      </p:tavLst>
-                                    </p:anim>
-                                    <p:anim calcmode="lin" valueType="num">
-                                      <p:cBhvr>
-                                        <p:cTn id="9" dur="1000" fill="hold"/>
-                                        <p:tgtEl>
-                                          <p:spTgt spid="7"/>
-                                        </p:tgtEl>
-                                        <p:attrNameLst>
-                                          <p:attrName>ppt_y</p:attrName>
-                                        </p:attrNameLst>
-                                      </p:cBhvr>
-                                      <p:tavLst>
-                                        <p:tav tm="0">
-                                          <p:val>
-                                            <p:strVal val="#ppt_y+.1"/>
-                                          </p:val>
-                                        </p:tav>
-                                        <p:tav tm="100000">
-                                          <p:val>
-                                            <p:strVal val="#ppt_y"/>
-                                          </p:val>
-                                        </p:tav>
-                                      </p:tavLst>
-                                    </p:anim>
-                                  </p:childTnLst>
-                                </p:cTn>
-                              </p:par>
-                              <p:par>
-                                <p:cTn id="10" presetID="22" presetClass="entr" presetSubtype="4" fill="hold" grpId="0" nodeType="withEffect">
-                                  <p:stCondLst>
-                                    <p:cond delay="0"/>
-                                  </p:stCondLst>
-                                  <p:childTnLst>
-                                    <p:set>
-                                      <p:cBhvr>
-                                        <p:cTn id="11" dur="1" fill="hold">
-                                          <p:stCondLst>
-                                            <p:cond delay="0"/>
-                                          </p:stCondLst>
-                                        </p:cTn>
-                                        <p:tgtEl>
-                                          <p:spTgt spid="10"/>
-                                        </p:tgtEl>
-                                        <p:attrNameLst>
-                                          <p:attrName>style.visibility</p:attrName>
-                                        </p:attrNameLst>
-                                      </p:cBhvr>
-                                      <p:to>
-                                        <p:strVal val="visible"/>
-                                      </p:to>
-                                    </p:set>
-                                    <p:animEffect transition="in" filter="wipe(down)">
-                                      <p:cBhvr>
-                                        <p:cTn id="12" dur="500"/>
-                                        <p:tgtEl>
-                                          <p:spTgt spid="10"/>
-                                        </p:tgtEl>
-                                      </p:cBhvr>
-                                    </p:animEffect>
-                                  </p:childTnLst>
-                                </p:cTn>
-                              </p:par>
-                            </p:childTnLst>
-                          </p:cTn>
-                        </p:par>
-                      </p:childTnLst>
-                    </p:cTn>
-                  </p:par>
-                </p:childTnLst>
-              </p:cTn>
-              <p:prevCondLst>
-                <p:cond evt="onPrev" delay="0">
-                  <p:tgtEl>
-                    <p:sldTgt/>
-                  </p:tgtEl>
-                </p:cond>
-              </p:prevCondLst>
-              <p:nextCondLst>
-                <p:cond evt="onNext" delay="0">
-                  <p:tgtEl>
-                    <p:sldTgt/>
-                  </p:tgtEl>
-                </p:cond>
-              </p:nextCondLst>
-            </p:seq>
-          </p:childTnLst>
-        </p:cTn>
+        <p:cTn id="1" dur="indefinite" restart="never" nodeType="tmRoot"/>
       </p:par>
     </p:tnLst>
-    <p:bldLst>
-      <p:bldP spid="7" grpId="0"/>
-      <p:bldP spid="10" grpId="0"/>
-    </p:bldLst>
   </p:timing>
 </p:sld>
 </file>
